--- a/Presentation1.pptx
+++ b/Presentation1.pptx
@@ -265,7 +265,7 @@
           <a:p>
             <a:fld id="{C0076D29-B623-458F-BC25-60C26F85A3DF}" type="datetimeFigureOut">
               <a:rPr lang="en-US" smtClean="0"/>
-              <a:t>2/5/2023</a:t>
+              <a:t>3/7/2023</a:t>
             </a:fld>
             <a:endParaRPr lang="en-US"/>
           </a:p>
@@ -463,7 +463,7 @@
           <a:p>
             <a:fld id="{C0076D29-B623-458F-BC25-60C26F85A3DF}" type="datetimeFigureOut">
               <a:rPr lang="en-US" smtClean="0"/>
-              <a:t>2/5/2023</a:t>
+              <a:t>3/7/2023</a:t>
             </a:fld>
             <a:endParaRPr lang="en-US"/>
           </a:p>
@@ -671,7 +671,7 @@
           <a:p>
             <a:fld id="{C0076D29-B623-458F-BC25-60C26F85A3DF}" type="datetimeFigureOut">
               <a:rPr lang="en-US" smtClean="0"/>
-              <a:t>2/5/2023</a:t>
+              <a:t>3/7/2023</a:t>
             </a:fld>
             <a:endParaRPr lang="en-US"/>
           </a:p>
@@ -869,7 +869,7 @@
           <a:p>
             <a:fld id="{C0076D29-B623-458F-BC25-60C26F85A3DF}" type="datetimeFigureOut">
               <a:rPr lang="en-US" smtClean="0"/>
-              <a:t>2/5/2023</a:t>
+              <a:t>3/7/2023</a:t>
             </a:fld>
             <a:endParaRPr lang="en-US"/>
           </a:p>
@@ -1144,7 +1144,7 @@
           <a:p>
             <a:fld id="{C0076D29-B623-458F-BC25-60C26F85A3DF}" type="datetimeFigureOut">
               <a:rPr lang="en-US" smtClean="0"/>
-              <a:t>2/5/2023</a:t>
+              <a:t>3/7/2023</a:t>
             </a:fld>
             <a:endParaRPr lang="en-US"/>
           </a:p>
@@ -1409,7 +1409,7 @@
           <a:p>
             <a:fld id="{C0076D29-B623-458F-BC25-60C26F85A3DF}" type="datetimeFigureOut">
               <a:rPr lang="en-US" smtClean="0"/>
-              <a:t>2/5/2023</a:t>
+              <a:t>3/7/2023</a:t>
             </a:fld>
             <a:endParaRPr lang="en-US"/>
           </a:p>
@@ -1821,7 +1821,7 @@
           <a:p>
             <a:fld id="{C0076D29-B623-458F-BC25-60C26F85A3DF}" type="datetimeFigureOut">
               <a:rPr lang="en-US" smtClean="0"/>
-              <a:t>2/5/2023</a:t>
+              <a:t>3/7/2023</a:t>
             </a:fld>
             <a:endParaRPr lang="en-US"/>
           </a:p>
@@ -1962,7 +1962,7 @@
           <a:p>
             <a:fld id="{C0076D29-B623-458F-BC25-60C26F85A3DF}" type="datetimeFigureOut">
               <a:rPr lang="en-US" smtClean="0"/>
-              <a:t>2/5/2023</a:t>
+              <a:t>3/7/2023</a:t>
             </a:fld>
             <a:endParaRPr lang="en-US"/>
           </a:p>
@@ -2075,7 +2075,7 @@
           <a:p>
             <a:fld id="{C0076D29-B623-458F-BC25-60C26F85A3DF}" type="datetimeFigureOut">
               <a:rPr lang="en-US" smtClean="0"/>
-              <a:t>2/5/2023</a:t>
+              <a:t>3/7/2023</a:t>
             </a:fld>
             <a:endParaRPr lang="en-US"/>
           </a:p>
@@ -2386,7 +2386,7 @@
           <a:p>
             <a:fld id="{C0076D29-B623-458F-BC25-60C26F85A3DF}" type="datetimeFigureOut">
               <a:rPr lang="en-US" smtClean="0"/>
-              <a:t>2/5/2023</a:t>
+              <a:t>3/7/2023</a:t>
             </a:fld>
             <a:endParaRPr lang="en-US"/>
           </a:p>
@@ -2674,7 +2674,7 @@
           <a:p>
             <a:fld id="{C0076D29-B623-458F-BC25-60C26F85A3DF}" type="datetimeFigureOut">
               <a:rPr lang="en-US" smtClean="0"/>
-              <a:t>2/5/2023</a:t>
+              <a:t>3/7/2023</a:t>
             </a:fld>
             <a:endParaRPr lang="en-US"/>
           </a:p>
@@ -2915,7 +2915,7 @@
           <a:p>
             <a:fld id="{C0076D29-B623-458F-BC25-60C26F85A3DF}" type="datetimeFigureOut">
               <a:rPr lang="en-US" smtClean="0"/>
-              <a:t>2/5/2023</a:t>
+              <a:t>3/7/2023</a:t>
             </a:fld>
             <a:endParaRPr lang="en-US"/>
           </a:p>
@@ -8397,14 +8397,14 @@
           <p:cNvCxnSpPr>
             <a:cxnSpLocks/>
             <a:stCxn id="4" idx="3"/>
-            <a:endCxn id="14" idx="1"/>
+            <a:endCxn id="24" idx="1"/>
           </p:cNvCxnSpPr>
           <p:nvPr/>
         </p:nvCxnSpPr>
         <p:spPr>
-          <a:xfrm flipV="1">
-            <a:off x="4159780" y="2870470"/>
-            <a:ext cx="1466530" cy="2373"/>
+          <a:xfrm>
+            <a:off x="4159780" y="2872843"/>
+            <a:ext cx="3050504" cy="1195238"/>
           </a:xfrm>
           <a:prstGeom prst="bentConnector3">
             <a:avLst/>
@@ -8510,10 +8510,10 @@
       </p:sp>
       <p:sp>
         <p:nvSpPr>
-          <p:cNvPr id="14" name="Rectangle 13">
-            <a:extLst>
-              <a:ext uri="{FF2B5EF4-FFF2-40B4-BE49-F238E27FC236}">
-                <a16:creationId xmlns:a16="http://schemas.microsoft.com/office/drawing/2014/main" id="{D3D63D14-D609-202F-D106-5B66A4112226}"/>
+          <p:cNvPr id="24" name="Rectangle 23">
+            <a:extLst>
+              <a:ext uri="{FF2B5EF4-FFF2-40B4-BE49-F238E27FC236}">
+                <a16:creationId xmlns:a16="http://schemas.microsoft.com/office/drawing/2014/main" id="{D43C4FE3-CB9C-BEE2-7982-8A5743D7E53B}"/>
               </a:ext>
             </a:extLst>
           </p:cNvPr>
@@ -8522,8 +8522,8 @@
         </p:nvSpPr>
         <p:spPr>
           <a:xfrm>
-            <a:off x="5626310" y="2534222"/>
-            <a:ext cx="1315616" cy="672496"/>
+            <a:off x="7210284" y="2449220"/>
+            <a:ext cx="3610947" cy="3237722"/>
           </a:xfrm>
           <a:prstGeom prst="rect">
             <a:avLst/>
@@ -8551,19 +8551,18 @@
           <a:p>
             <a:pPr algn="ctr"/>
             <a:r>
-              <a:rPr lang="en-US" dirty="0" err="1"/>
-              <a:t>Dialogflow</a:t>
-            </a:r>
-            <a:endParaRPr lang="en-US" dirty="0"/>
-          </a:p>
-        </p:txBody>
-      </p:sp>
-      <p:sp>
-        <p:nvSpPr>
-          <p:cNvPr id="24" name="Rectangle 23">
-            <a:extLst>
-              <a:ext uri="{FF2B5EF4-FFF2-40B4-BE49-F238E27FC236}">
-                <a16:creationId xmlns:a16="http://schemas.microsoft.com/office/drawing/2014/main" id="{D43C4FE3-CB9C-BEE2-7982-8A5743D7E53B}"/>
+              <a:rPr lang="en-US" sz="5400" dirty="0"/>
+              <a:t>API</a:t>
+            </a:r>
+          </a:p>
+        </p:txBody>
+      </p:sp>
+      <p:sp>
+        <p:nvSpPr>
+          <p:cNvPr id="6" name="Rectangle 5">
+            <a:extLst>
+              <a:ext uri="{FF2B5EF4-FFF2-40B4-BE49-F238E27FC236}">
+                <a16:creationId xmlns:a16="http://schemas.microsoft.com/office/drawing/2014/main" id="{19EC460B-60E3-9CC9-D5DE-27E8C300E006}"/>
               </a:ext>
             </a:extLst>
           </p:cNvPr>
@@ -8572,8 +8571,8 @@
         </p:nvSpPr>
         <p:spPr>
           <a:xfrm>
-            <a:off x="8306306" y="1396873"/>
-            <a:ext cx="3610947" cy="3237722"/>
+            <a:off x="8071667" y="410547"/>
+            <a:ext cx="1884095" cy="1133735"/>
           </a:xfrm>
           <a:prstGeom prst="rect">
             <a:avLst/>
@@ -8601,38 +8600,54 @@
           <a:p>
             <a:pPr algn="ctr"/>
             <a:r>
-              <a:rPr lang="en-US" sz="5400" dirty="0"/>
-              <a:t>API</a:t>
+              <a:rPr lang="en-US" dirty="0"/>
+              <a:t>Memory (maybe </a:t>
+            </a:r>
+            <a:r>
+              <a:rPr lang="en-US" dirty="0" err="1"/>
+              <a:t>globel</a:t>
+            </a:r>
+            <a:r>
+              <a:rPr lang="en-US" dirty="0"/>
+              <a:t> var or </a:t>
+            </a:r>
+            <a:r>
+              <a:rPr lang="en-US" dirty="0" err="1"/>
+              <a:t>redis</a:t>
+            </a:r>
+            <a:r>
+              <a:rPr lang="en-US" dirty="0"/>
+              <a:t>)</a:t>
             </a:r>
           </a:p>
         </p:txBody>
       </p:sp>
       <p:cxnSp>
         <p:nvCxnSpPr>
-          <p:cNvPr id="28" name="Connector: Elbow 27">
-            <a:extLst>
-              <a:ext uri="{FF2B5EF4-FFF2-40B4-BE49-F238E27FC236}">
-                <a16:creationId xmlns:a16="http://schemas.microsoft.com/office/drawing/2014/main" id="{034DC20A-43F3-A85C-C827-759E2A924EE5}"/>
+          <p:cNvPr id="8" name="Straight Arrow Connector 7">
+            <a:extLst>
+              <a:ext uri="{FF2B5EF4-FFF2-40B4-BE49-F238E27FC236}">
+                <a16:creationId xmlns:a16="http://schemas.microsoft.com/office/drawing/2014/main" id="{4DBC6F6E-AF93-F940-2AB1-9ABAA1E992F9}"/>
               </a:ext>
             </a:extLst>
           </p:cNvPr>
           <p:cNvCxnSpPr>
-            <a:stCxn id="14" idx="0"/>
+            <a:cxnSpLocks/>
+            <a:stCxn id="6" idx="2"/>
             <a:endCxn id="24" idx="0"/>
           </p:cNvCxnSpPr>
           <p:nvPr/>
         </p:nvCxnSpPr>
         <p:spPr>
-          <a:xfrm rot="5400000" flipH="1" flipV="1">
-            <a:off x="7629275" y="51717"/>
-            <a:ext cx="1137349" cy="3827662"/>
-          </a:xfrm>
-          <a:prstGeom prst="bentConnector3">
-            <a:avLst>
-              <a:gd name="adj1" fmla="val 120099"/>
-            </a:avLst>
+          <a:xfrm>
+            <a:off x="9013715" y="1544282"/>
+            <a:ext cx="2043" cy="904938"/>
+          </a:xfrm>
+          <a:prstGeom prst="straightConnector1">
+            <a:avLst/>
           </a:prstGeom>
           <a:ln>
+            <a:headEnd type="triangle"/>
             <a:tailEnd type="triangle"/>
           </a:ln>
         </p:spPr>
@@ -8653,10 +8668,10 @@
       </p:cxnSp>
       <p:sp>
         <p:nvSpPr>
-          <p:cNvPr id="29" name="TextBox 28">
-            <a:extLst>
-              <a:ext uri="{FF2B5EF4-FFF2-40B4-BE49-F238E27FC236}">
-                <a16:creationId xmlns:a16="http://schemas.microsoft.com/office/drawing/2014/main" id="{08922ECA-F494-DFA7-AE92-0AEC27FCE4AE}"/>
+          <p:cNvPr id="9" name="TextBox 8">
+            <a:extLst>
+              <a:ext uri="{FF2B5EF4-FFF2-40B4-BE49-F238E27FC236}">
+                <a16:creationId xmlns:a16="http://schemas.microsoft.com/office/drawing/2014/main" id="{D59B162C-B5CC-2E35-F152-0ADE2A9D3AE0}"/>
               </a:ext>
             </a:extLst>
           </p:cNvPr>
@@ -8665,8 +8680,8 @@
         </p:nvSpPr>
         <p:spPr>
           <a:xfrm>
-            <a:off x="7597361" y="724378"/>
-            <a:ext cx="944297" cy="369332"/>
+            <a:off x="8217140" y="1812085"/>
+            <a:ext cx="1597232" cy="369332"/>
           </a:xfrm>
           <a:prstGeom prst="rect">
             <a:avLst/>
@@ -8681,86 +8696,7 @@
           <a:p>
             <a:r>
               <a:rPr lang="en-US" dirty="0"/>
-              <a:t>Request</a:t>
-            </a:r>
-          </a:p>
-        </p:txBody>
-      </p:sp>
-      <p:cxnSp>
-        <p:nvCxnSpPr>
-          <p:cNvPr id="31" name="Connector: Elbow 30">
-            <a:extLst>
-              <a:ext uri="{FF2B5EF4-FFF2-40B4-BE49-F238E27FC236}">
-                <a16:creationId xmlns:a16="http://schemas.microsoft.com/office/drawing/2014/main" id="{11B467F9-0925-4EAE-B709-5C9E2D18672D}"/>
-              </a:ext>
-            </a:extLst>
-          </p:cNvPr>
-          <p:cNvCxnSpPr>
-            <a:stCxn id="24" idx="2"/>
-            <a:endCxn id="14" idx="2"/>
-          </p:cNvCxnSpPr>
-          <p:nvPr/>
-        </p:nvCxnSpPr>
-        <p:spPr>
-          <a:xfrm rot="5400000" flipH="1">
-            <a:off x="7484010" y="2006826"/>
-            <a:ext cx="1427877" cy="3827662"/>
-          </a:xfrm>
-          <a:prstGeom prst="bentConnector3">
-            <a:avLst>
-              <a:gd name="adj1" fmla="val -16010"/>
-            </a:avLst>
-          </a:prstGeom>
-          <a:ln>
-            <a:tailEnd type="triangle"/>
-          </a:ln>
-        </p:spPr>
-        <p:style>
-          <a:lnRef idx="1">
-            <a:schemeClr val="accent1"/>
-          </a:lnRef>
-          <a:fillRef idx="0">
-            <a:schemeClr val="accent1"/>
-          </a:fillRef>
-          <a:effectRef idx="0">
-            <a:schemeClr val="accent1"/>
-          </a:effectRef>
-          <a:fontRef idx="minor">
-            <a:schemeClr val="tx1"/>
-          </a:fontRef>
-        </p:style>
-      </p:cxnSp>
-      <p:sp>
-        <p:nvSpPr>
-          <p:cNvPr id="33" name="TextBox 32">
-            <a:extLst>
-              <a:ext uri="{FF2B5EF4-FFF2-40B4-BE49-F238E27FC236}">
-                <a16:creationId xmlns:a16="http://schemas.microsoft.com/office/drawing/2014/main" id="{0102B3A7-3661-0DF6-167D-EB94B73B833D}"/>
-              </a:ext>
-            </a:extLst>
-          </p:cNvPr>
-          <p:cNvSpPr txBox="1"/>
-          <p:nvPr/>
-        </p:nvSpPr>
-        <p:spPr>
-          <a:xfrm>
-            <a:off x="7528751" y="5082463"/>
-            <a:ext cx="1081515" cy="369332"/>
-          </a:xfrm>
-          <a:prstGeom prst="rect">
-            <a:avLst/>
-          </a:prstGeom>
-          <a:noFill/>
-        </p:spPr>
-        <p:txBody>
-          <a:bodyPr wrap="none" rtlCol="0">
-            <a:spAutoFit/>
-          </a:bodyPr>
-          <a:lstStyle/>
-          <a:p>
-            <a:r>
-              <a:rPr lang="en-US" dirty="0"/>
-              <a:t>Response</a:t>
+              <a:t>Previous intent</a:t>
             </a:r>
           </a:p>
         </p:txBody>
@@ -9518,6 +9454,197 @@
           </a:p>
         </p:txBody>
       </p:sp>
+      <p:sp>
+        <p:nvSpPr>
+          <p:cNvPr id="2" name="Rectangle 1">
+            <a:extLst>
+              <a:ext uri="{FF2B5EF4-FFF2-40B4-BE49-F238E27FC236}">
+                <a16:creationId xmlns:a16="http://schemas.microsoft.com/office/drawing/2014/main" id="{633CED57-B8B7-A850-1EF5-7BC14099939C}"/>
+              </a:ext>
+            </a:extLst>
+          </p:cNvPr>
+          <p:cNvSpPr/>
+          <p:nvPr/>
+        </p:nvSpPr>
+        <p:spPr>
+          <a:xfrm>
+            <a:off x="2141554" y="148742"/>
+            <a:ext cx="1529384" cy="909800"/>
+          </a:xfrm>
+          <a:prstGeom prst="rect">
+            <a:avLst/>
+          </a:prstGeom>
+        </p:spPr>
+        <p:style>
+          <a:lnRef idx="2">
+            <a:schemeClr val="accent1">
+              <a:shade val="50000"/>
+            </a:schemeClr>
+          </a:lnRef>
+          <a:fillRef idx="1">
+            <a:schemeClr val="accent1"/>
+          </a:fillRef>
+          <a:effectRef idx="0">
+            <a:schemeClr val="accent1"/>
+          </a:effectRef>
+          <a:fontRef idx="minor">
+            <a:schemeClr val="lt1"/>
+          </a:fontRef>
+        </p:style>
+        <p:txBody>
+          <a:bodyPr rtlCol="0" anchor="ctr"/>
+          <a:lstStyle/>
+          <a:p>
+            <a:pPr algn="ctr"/>
+            <a:r>
+              <a:rPr lang="en-US" dirty="0"/>
+              <a:t>Memory (maybe </a:t>
+            </a:r>
+            <a:r>
+              <a:rPr lang="en-US" dirty="0" err="1"/>
+              <a:t>globel</a:t>
+            </a:r>
+            <a:r>
+              <a:rPr lang="en-US" dirty="0"/>
+              <a:t> var or </a:t>
+            </a:r>
+            <a:r>
+              <a:rPr lang="en-US" dirty="0" err="1"/>
+              <a:t>redis</a:t>
+            </a:r>
+            <a:r>
+              <a:rPr lang="en-US" dirty="0"/>
+              <a:t>)</a:t>
+            </a:r>
+          </a:p>
+        </p:txBody>
+      </p:sp>
+      <p:cxnSp>
+        <p:nvCxnSpPr>
+          <p:cNvPr id="4" name="Connector: Elbow 3">
+            <a:extLst>
+              <a:ext uri="{FF2B5EF4-FFF2-40B4-BE49-F238E27FC236}">
+                <a16:creationId xmlns:a16="http://schemas.microsoft.com/office/drawing/2014/main" id="{181FC7A0-9B0E-50A8-9E39-5130A4E0EFC2}"/>
+              </a:ext>
+            </a:extLst>
+          </p:cNvPr>
+          <p:cNvCxnSpPr/>
+          <p:nvPr/>
+        </p:nvCxnSpPr>
+        <p:spPr>
+          <a:xfrm rot="10800000">
+            <a:off x="2444621" y="3480319"/>
+            <a:ext cx="9635" cy="6999"/>
+          </a:xfrm>
+          <a:prstGeom prst="bentConnector3">
+            <a:avLst/>
+          </a:prstGeom>
+          <a:ln>
+            <a:tailEnd type="triangle"/>
+          </a:ln>
+        </p:spPr>
+        <p:style>
+          <a:lnRef idx="1">
+            <a:schemeClr val="accent1"/>
+          </a:lnRef>
+          <a:fillRef idx="0">
+            <a:schemeClr val="accent1"/>
+          </a:fillRef>
+          <a:effectRef idx="0">
+            <a:schemeClr val="accent1"/>
+          </a:effectRef>
+          <a:fontRef idx="minor">
+            <a:schemeClr val="tx1"/>
+          </a:fontRef>
+        </p:style>
+      </p:cxnSp>
+      <p:cxnSp>
+        <p:nvCxnSpPr>
+          <p:cNvPr id="6" name="Connector: Elbow 5">
+            <a:extLst>
+              <a:ext uri="{FF2B5EF4-FFF2-40B4-BE49-F238E27FC236}">
+                <a16:creationId xmlns:a16="http://schemas.microsoft.com/office/drawing/2014/main" id="{CC4B6148-1D25-CA41-A166-05F61F390C51}"/>
+              </a:ext>
+            </a:extLst>
+          </p:cNvPr>
+          <p:cNvCxnSpPr>
+            <a:cxnSpLocks/>
+            <a:endCxn id="2" idx="2"/>
+          </p:cNvCxnSpPr>
+          <p:nvPr/>
+        </p:nvCxnSpPr>
+        <p:spPr>
+          <a:xfrm rot="16200000" flipV="1">
+            <a:off x="2055031" y="1909757"/>
+            <a:ext cx="1702432" cy="1"/>
+          </a:xfrm>
+          <a:prstGeom prst="bentConnector3">
+            <a:avLst/>
+          </a:prstGeom>
+          <a:ln>
+            <a:tailEnd type="triangle"/>
+          </a:ln>
+        </p:spPr>
+        <p:style>
+          <a:lnRef idx="1">
+            <a:schemeClr val="accent1"/>
+          </a:lnRef>
+          <a:fillRef idx="0">
+            <a:schemeClr val="accent1"/>
+          </a:fillRef>
+          <a:effectRef idx="0">
+            <a:schemeClr val="accent1"/>
+          </a:effectRef>
+          <a:fontRef idx="minor">
+            <a:schemeClr val="tx1"/>
+          </a:fontRef>
+        </p:style>
+      </p:cxnSp>
+      <p:cxnSp>
+        <p:nvCxnSpPr>
+          <p:cNvPr id="19" name="Connector: Elbow 18">
+            <a:extLst>
+              <a:ext uri="{FF2B5EF4-FFF2-40B4-BE49-F238E27FC236}">
+                <a16:creationId xmlns:a16="http://schemas.microsoft.com/office/drawing/2014/main" id="{46963E22-D3DE-2BF6-6A2F-AD7F00981CF5}"/>
+              </a:ext>
+            </a:extLst>
+          </p:cNvPr>
+          <p:cNvCxnSpPr>
+            <a:cxnSpLocks/>
+            <a:stCxn id="2" idx="1"/>
+            <a:endCxn id="50" idx="1"/>
+          </p:cNvCxnSpPr>
+          <p:nvPr/>
+        </p:nvCxnSpPr>
+        <p:spPr>
+          <a:xfrm rot="10800000" flipV="1">
+            <a:off x="1636940" y="603641"/>
+            <a:ext cx="504615" cy="4595897"/>
+          </a:xfrm>
+          <a:prstGeom prst="bentConnector3">
+            <a:avLst>
+              <a:gd name="adj1" fmla="val 145302"/>
+            </a:avLst>
+          </a:prstGeom>
+          <a:ln>
+            <a:tailEnd type="triangle"/>
+          </a:ln>
+        </p:spPr>
+        <p:style>
+          <a:lnRef idx="1">
+            <a:schemeClr val="accent1"/>
+          </a:lnRef>
+          <a:fillRef idx="0">
+            <a:schemeClr val="accent1"/>
+          </a:fillRef>
+          <a:effectRef idx="0">
+            <a:schemeClr val="accent1"/>
+          </a:effectRef>
+          <a:fontRef idx="minor">
+            <a:schemeClr val="tx1"/>
+          </a:fontRef>
+        </p:style>
+      </p:cxnSp>
     </p:spTree>
     <p:extLst>
       <p:ext uri="{BB962C8B-B14F-4D97-AF65-F5344CB8AC3E}">

--- a/Presentation1.pptx
+++ b/Presentation1.pptx
@@ -12,6 +12,8 @@
     <p:sldId id="260" r:id="rId6"/>
     <p:sldId id="261" r:id="rId7"/>
     <p:sldId id="262" r:id="rId8"/>
+    <p:sldId id="263" r:id="rId9"/>
+    <p:sldId id="264" r:id="rId10"/>
   </p:sldIdLst>
   <p:sldSz cx="12192000" cy="6858000"/>
   <p:notesSz cx="6858000" cy="9144000"/>
@@ -265,7 +267,7 @@
           <a:p>
             <a:fld id="{C0076D29-B623-458F-BC25-60C26F85A3DF}" type="datetimeFigureOut">
               <a:rPr lang="en-US" smtClean="0"/>
-              <a:t>3/7/2023</a:t>
+              <a:t>4/15/2023</a:t>
             </a:fld>
             <a:endParaRPr lang="en-US"/>
           </a:p>
@@ -463,7 +465,7 @@
           <a:p>
             <a:fld id="{C0076D29-B623-458F-BC25-60C26F85A3DF}" type="datetimeFigureOut">
               <a:rPr lang="en-US" smtClean="0"/>
-              <a:t>3/7/2023</a:t>
+              <a:t>4/15/2023</a:t>
             </a:fld>
             <a:endParaRPr lang="en-US"/>
           </a:p>
@@ -671,7 +673,7 @@
           <a:p>
             <a:fld id="{C0076D29-B623-458F-BC25-60C26F85A3DF}" type="datetimeFigureOut">
               <a:rPr lang="en-US" smtClean="0"/>
-              <a:t>3/7/2023</a:t>
+              <a:t>4/15/2023</a:t>
             </a:fld>
             <a:endParaRPr lang="en-US"/>
           </a:p>
@@ -869,7 +871,7 @@
           <a:p>
             <a:fld id="{C0076D29-B623-458F-BC25-60C26F85A3DF}" type="datetimeFigureOut">
               <a:rPr lang="en-US" smtClean="0"/>
-              <a:t>3/7/2023</a:t>
+              <a:t>4/15/2023</a:t>
             </a:fld>
             <a:endParaRPr lang="en-US"/>
           </a:p>
@@ -1144,7 +1146,7 @@
           <a:p>
             <a:fld id="{C0076D29-B623-458F-BC25-60C26F85A3DF}" type="datetimeFigureOut">
               <a:rPr lang="en-US" smtClean="0"/>
-              <a:t>3/7/2023</a:t>
+              <a:t>4/15/2023</a:t>
             </a:fld>
             <a:endParaRPr lang="en-US"/>
           </a:p>
@@ -1409,7 +1411,7 @@
           <a:p>
             <a:fld id="{C0076D29-B623-458F-BC25-60C26F85A3DF}" type="datetimeFigureOut">
               <a:rPr lang="en-US" smtClean="0"/>
-              <a:t>3/7/2023</a:t>
+              <a:t>4/15/2023</a:t>
             </a:fld>
             <a:endParaRPr lang="en-US"/>
           </a:p>
@@ -1821,7 +1823,7 @@
           <a:p>
             <a:fld id="{C0076D29-B623-458F-BC25-60C26F85A3DF}" type="datetimeFigureOut">
               <a:rPr lang="en-US" smtClean="0"/>
-              <a:t>3/7/2023</a:t>
+              <a:t>4/15/2023</a:t>
             </a:fld>
             <a:endParaRPr lang="en-US"/>
           </a:p>
@@ -1962,7 +1964,7 @@
           <a:p>
             <a:fld id="{C0076D29-B623-458F-BC25-60C26F85A3DF}" type="datetimeFigureOut">
               <a:rPr lang="en-US" smtClean="0"/>
-              <a:t>3/7/2023</a:t>
+              <a:t>4/15/2023</a:t>
             </a:fld>
             <a:endParaRPr lang="en-US"/>
           </a:p>
@@ -2075,7 +2077,7 @@
           <a:p>
             <a:fld id="{C0076D29-B623-458F-BC25-60C26F85A3DF}" type="datetimeFigureOut">
               <a:rPr lang="en-US" smtClean="0"/>
-              <a:t>3/7/2023</a:t>
+              <a:t>4/15/2023</a:t>
             </a:fld>
             <a:endParaRPr lang="en-US"/>
           </a:p>
@@ -2386,7 +2388,7 @@
           <a:p>
             <a:fld id="{C0076D29-B623-458F-BC25-60C26F85A3DF}" type="datetimeFigureOut">
               <a:rPr lang="en-US" smtClean="0"/>
-              <a:t>3/7/2023</a:t>
+              <a:t>4/15/2023</a:t>
             </a:fld>
             <a:endParaRPr lang="en-US"/>
           </a:p>
@@ -2674,7 +2676,7 @@
           <a:p>
             <a:fld id="{C0076D29-B623-458F-BC25-60C26F85A3DF}" type="datetimeFigureOut">
               <a:rPr lang="en-US" smtClean="0"/>
-              <a:t>3/7/2023</a:t>
+              <a:t>4/15/2023</a:t>
             </a:fld>
             <a:endParaRPr lang="en-US"/>
           </a:p>
@@ -2915,7 +2917,7 @@
           <a:p>
             <a:fld id="{C0076D29-B623-458F-BC25-60C26F85A3DF}" type="datetimeFigureOut">
               <a:rPr lang="en-US" smtClean="0"/>
-              <a:t>3/7/2023</a:t>
+              <a:t>4/15/2023</a:t>
             </a:fld>
             <a:endParaRPr lang="en-US"/>
           </a:p>
@@ -9658,6 +9660,2560 @@
 </p:sld>
 </file>
 
+<file path=ppt/slides/slide8.xml><?xml version="1.0" encoding="utf-8"?>
+<p:sld xmlns:a="http://schemas.openxmlformats.org/drawingml/2006/main" xmlns:r="http://schemas.openxmlformats.org/officeDocument/2006/relationships" xmlns:p="http://schemas.openxmlformats.org/presentationml/2006/main">
+  <p:cSld>
+    <p:spTree>
+      <p:nvGrpSpPr>
+        <p:cNvPr id="1" name=""/>
+        <p:cNvGrpSpPr/>
+        <p:nvPr/>
+      </p:nvGrpSpPr>
+      <p:grpSpPr>
+        <a:xfrm>
+          <a:off x="0" y="0"/>
+          <a:ext cx="0" cy="0"/>
+          <a:chOff x="0" y="0"/>
+          <a:chExt cx="0" cy="0"/>
+        </a:xfrm>
+      </p:grpSpPr>
+      <p:pic>
+        <p:nvPicPr>
+          <p:cNvPr id="5" name="Picture 4" descr="Shape&#10;&#10;Description automatically generated with low confidence">
+            <a:extLst>
+              <a:ext uri="{FF2B5EF4-FFF2-40B4-BE49-F238E27FC236}">
+                <a16:creationId xmlns:a16="http://schemas.microsoft.com/office/drawing/2014/main" id="{F4188C6D-1146-3C31-A13A-A83BEE784504}"/>
+              </a:ext>
+            </a:extLst>
+          </p:cNvPr>
+          <p:cNvPicPr>
+            <a:picLocks noChangeAspect="1"/>
+          </p:cNvPicPr>
+          <p:nvPr/>
+        </p:nvPicPr>
+        <p:blipFill>
+          <a:blip r:embed="rId2">
+            <a:extLst>
+              <a:ext uri="{28A0092B-C50C-407E-A947-70E740481C1C}">
+                <a14:useLocalDpi xmlns:a14="http://schemas.microsoft.com/office/drawing/2010/main" val="0"/>
+              </a:ext>
+            </a:extLst>
+          </a:blip>
+          <a:stretch>
+            <a:fillRect/>
+          </a:stretch>
+        </p:blipFill>
+        <p:spPr>
+          <a:xfrm>
+            <a:off x="1413298" y="2139340"/>
+            <a:ext cx="628067" cy="628067"/>
+          </a:xfrm>
+          <a:prstGeom prst="rect">
+            <a:avLst/>
+          </a:prstGeom>
+        </p:spPr>
+      </p:pic>
+      <p:sp>
+        <p:nvSpPr>
+          <p:cNvPr id="6" name="TextBox 5">
+            <a:extLst>
+              <a:ext uri="{FF2B5EF4-FFF2-40B4-BE49-F238E27FC236}">
+                <a16:creationId xmlns:a16="http://schemas.microsoft.com/office/drawing/2014/main" id="{6EC8BB35-EF64-3130-ACDD-1725023BD958}"/>
+              </a:ext>
+            </a:extLst>
+          </p:cNvPr>
+          <p:cNvSpPr txBox="1"/>
+          <p:nvPr/>
+        </p:nvSpPr>
+        <p:spPr>
+          <a:xfrm>
+            <a:off x="1431416" y="2904027"/>
+            <a:ext cx="617477" cy="369332"/>
+          </a:xfrm>
+          <a:prstGeom prst="rect">
+            <a:avLst/>
+          </a:prstGeom>
+          <a:noFill/>
+        </p:spPr>
+        <p:txBody>
+          <a:bodyPr wrap="none" rtlCol="0">
+            <a:spAutoFit/>
+          </a:bodyPr>
+          <a:lstStyle/>
+          <a:p>
+            <a:r>
+              <a:rPr lang="en-US" dirty="0"/>
+              <a:t>User</a:t>
+            </a:r>
+          </a:p>
+        </p:txBody>
+      </p:sp>
+      <p:pic>
+        <p:nvPicPr>
+          <p:cNvPr id="1026" name="Picture 2" descr="LINE: Calls &amp; Messages - Apps on Google Play">
+            <a:extLst>
+              <a:ext uri="{FF2B5EF4-FFF2-40B4-BE49-F238E27FC236}">
+                <a16:creationId xmlns:a16="http://schemas.microsoft.com/office/drawing/2014/main" id="{51604106-24F5-0FE6-1583-41431E0CEF48}"/>
+              </a:ext>
+            </a:extLst>
+          </p:cNvPr>
+          <p:cNvPicPr>
+            <a:picLocks noChangeAspect="1" noChangeArrowheads="1"/>
+          </p:cNvPicPr>
+          <p:nvPr/>
+        </p:nvPicPr>
+        <p:blipFill>
+          <a:blip r:embed="rId3">
+            <a:extLst>
+              <a:ext uri="{28A0092B-C50C-407E-A947-70E740481C1C}">
+                <a14:useLocalDpi xmlns:a14="http://schemas.microsoft.com/office/drawing/2010/main" val="0"/>
+              </a:ext>
+            </a:extLst>
+          </a:blip>
+          <a:srcRect/>
+          <a:stretch>
+            <a:fillRect/>
+          </a:stretch>
+        </p:blipFill>
+        <p:spPr bwMode="auto">
+          <a:xfrm>
+            <a:off x="3180346" y="2139340"/>
+            <a:ext cx="628066" cy="628066"/>
+          </a:xfrm>
+          <a:prstGeom prst="rect">
+            <a:avLst/>
+          </a:prstGeom>
+          <a:noFill/>
+          <a:extLst>
+            <a:ext uri="{909E8E84-426E-40DD-AFC4-6F175D3DCCD1}">
+              <a14:hiddenFill xmlns:a14="http://schemas.microsoft.com/office/drawing/2010/main">
+                <a:solidFill>
+                  <a:srgbClr val="FFFFFF"/>
+                </a:solidFill>
+              </a14:hiddenFill>
+            </a:ext>
+          </a:extLst>
+        </p:spPr>
+      </p:pic>
+      <p:sp>
+        <p:nvSpPr>
+          <p:cNvPr id="7" name="TextBox 6">
+            <a:extLst>
+              <a:ext uri="{FF2B5EF4-FFF2-40B4-BE49-F238E27FC236}">
+                <a16:creationId xmlns:a16="http://schemas.microsoft.com/office/drawing/2014/main" id="{FF3059EE-3D4B-BD72-FB88-B6D5E3A9234F}"/>
+              </a:ext>
+            </a:extLst>
+          </p:cNvPr>
+          <p:cNvSpPr txBox="1"/>
+          <p:nvPr/>
+        </p:nvSpPr>
+        <p:spPr>
+          <a:xfrm>
+            <a:off x="3208082" y="2861253"/>
+            <a:ext cx="572593" cy="369332"/>
+          </a:xfrm>
+          <a:prstGeom prst="rect">
+            <a:avLst/>
+          </a:prstGeom>
+          <a:noFill/>
+        </p:spPr>
+        <p:txBody>
+          <a:bodyPr wrap="none" rtlCol="0">
+            <a:spAutoFit/>
+          </a:bodyPr>
+          <a:lstStyle/>
+          <a:p>
+            <a:r>
+              <a:rPr lang="en-US" dirty="0"/>
+              <a:t>Line</a:t>
+            </a:r>
+          </a:p>
+        </p:txBody>
+      </p:sp>
+      <p:grpSp>
+        <p:nvGrpSpPr>
+          <p:cNvPr id="15" name="Group 14">
+            <a:extLst>
+              <a:ext uri="{FF2B5EF4-FFF2-40B4-BE49-F238E27FC236}">
+                <a16:creationId xmlns:a16="http://schemas.microsoft.com/office/drawing/2014/main" id="{8FE33CC0-7B0A-0A82-3B1D-E8C0CD8A32A0}"/>
+              </a:ext>
+            </a:extLst>
+          </p:cNvPr>
+          <p:cNvGrpSpPr/>
+          <p:nvPr/>
+        </p:nvGrpSpPr>
+        <p:grpSpPr>
+          <a:xfrm>
+            <a:off x="7558866" y="2049666"/>
+            <a:ext cx="868379" cy="975676"/>
+            <a:chOff x="6434690" y="4524810"/>
+            <a:chExt cx="868379" cy="975676"/>
+          </a:xfrm>
+        </p:grpSpPr>
+        <p:pic>
+          <p:nvPicPr>
+            <p:cNvPr id="1036" name="Picture 12" descr="Fastapi Logo PNG Vector (SVG) Free Download">
+              <a:extLst>
+                <a:ext uri="{FF2B5EF4-FFF2-40B4-BE49-F238E27FC236}">
+                  <a16:creationId xmlns:a16="http://schemas.microsoft.com/office/drawing/2014/main" id="{4C2553FB-089B-D018-9793-100E0C4DCA20}"/>
+                </a:ext>
+              </a:extLst>
+            </p:cNvPr>
+            <p:cNvPicPr>
+              <a:picLocks noChangeAspect="1" noChangeArrowheads="1"/>
+            </p:cNvPicPr>
+            <p:nvPr/>
+          </p:nvPicPr>
+          <p:blipFill>
+            <a:blip r:embed="rId4">
+              <a:extLst>
+                <a:ext uri="{28A0092B-C50C-407E-A947-70E740481C1C}">
+                  <a14:useLocalDpi xmlns:a14="http://schemas.microsoft.com/office/drawing/2010/main" val="0"/>
+                </a:ext>
+              </a:extLst>
+            </a:blip>
+            <a:srcRect/>
+            <a:stretch>
+              <a:fillRect/>
+            </a:stretch>
+          </p:blipFill>
+          <p:spPr bwMode="auto">
+            <a:xfrm>
+              <a:off x="6621626" y="4524810"/>
+              <a:ext cx="505163" cy="505163"/>
+            </a:xfrm>
+            <a:prstGeom prst="rect">
+              <a:avLst/>
+            </a:prstGeom>
+            <a:noFill/>
+            <a:extLst>
+              <a:ext uri="{909E8E84-426E-40DD-AFC4-6F175D3DCCD1}">
+                <a14:hiddenFill xmlns:a14="http://schemas.microsoft.com/office/drawing/2010/main">
+                  <a:solidFill>
+                    <a:srgbClr val="FFFFFF"/>
+                  </a:solidFill>
+                </a14:hiddenFill>
+              </a:ext>
+            </a:extLst>
+          </p:spPr>
+        </p:pic>
+        <p:sp>
+          <p:nvSpPr>
+            <p:cNvPr id="11" name="TextBox 10">
+              <a:extLst>
+                <a:ext uri="{FF2B5EF4-FFF2-40B4-BE49-F238E27FC236}">
+                  <a16:creationId xmlns:a16="http://schemas.microsoft.com/office/drawing/2014/main" id="{5394BD4E-B6FA-BE35-613D-6003D3DDF4AE}"/>
+                </a:ext>
+              </a:extLst>
+            </p:cNvPr>
+            <p:cNvSpPr txBox="1"/>
+            <p:nvPr/>
+          </p:nvSpPr>
+          <p:spPr>
+            <a:xfrm>
+              <a:off x="6434690" y="5131154"/>
+              <a:ext cx="868379" cy="369332"/>
+            </a:xfrm>
+            <a:prstGeom prst="rect">
+              <a:avLst/>
+            </a:prstGeom>
+            <a:noFill/>
+          </p:spPr>
+          <p:txBody>
+            <a:bodyPr wrap="none" rtlCol="0">
+              <a:spAutoFit/>
+            </a:bodyPr>
+            <a:lstStyle/>
+            <a:p>
+              <a:r>
+                <a:rPr lang="en-US" dirty="0"/>
+                <a:t>FastAPI</a:t>
+              </a:r>
+            </a:p>
+          </p:txBody>
+        </p:sp>
+      </p:grpSp>
+      <p:pic>
+        <p:nvPicPr>
+          <p:cNvPr id="1042" name="Picture 18" descr="HackMOL4.0">
+            <a:extLst>
+              <a:ext uri="{FF2B5EF4-FFF2-40B4-BE49-F238E27FC236}">
+                <a16:creationId xmlns:a16="http://schemas.microsoft.com/office/drawing/2014/main" id="{C9111AC3-CE57-74E1-96B4-F690F3E9ACEA}"/>
+              </a:ext>
+            </a:extLst>
+          </p:cNvPr>
+          <p:cNvPicPr>
+            <a:picLocks noChangeAspect="1" noChangeArrowheads="1"/>
+          </p:cNvPicPr>
+          <p:nvPr/>
+        </p:nvPicPr>
+        <p:blipFill>
+          <a:blip r:embed="rId5">
+            <a:extLst>
+              <a:ext uri="{28A0092B-C50C-407E-A947-70E740481C1C}">
+                <a14:useLocalDpi xmlns:a14="http://schemas.microsoft.com/office/drawing/2010/main" val="0"/>
+              </a:ext>
+            </a:extLst>
+          </a:blip>
+          <a:srcRect/>
+          <a:stretch>
+            <a:fillRect/>
+          </a:stretch>
+        </p:blipFill>
+        <p:spPr bwMode="auto">
+          <a:xfrm>
+            <a:off x="8891540" y="2049666"/>
+            <a:ext cx="572594" cy="572594"/>
+          </a:xfrm>
+          <a:prstGeom prst="rect">
+            <a:avLst/>
+          </a:prstGeom>
+          <a:noFill/>
+          <a:extLst>
+            <a:ext uri="{909E8E84-426E-40DD-AFC4-6F175D3DCCD1}">
+              <a14:hiddenFill xmlns:a14="http://schemas.microsoft.com/office/drawing/2010/main">
+                <a:solidFill>
+                  <a:srgbClr val="FFFFFF"/>
+                </a:solidFill>
+              </a14:hiddenFill>
+            </a:ext>
+          </a:extLst>
+        </p:spPr>
+      </p:pic>
+      <p:sp>
+        <p:nvSpPr>
+          <p:cNvPr id="12" name="TextBox 11">
+            <a:extLst>
+              <a:ext uri="{FF2B5EF4-FFF2-40B4-BE49-F238E27FC236}">
+                <a16:creationId xmlns:a16="http://schemas.microsoft.com/office/drawing/2014/main" id="{7A622473-3C29-8440-7D7E-A6FD84DEE58D}"/>
+              </a:ext>
+            </a:extLst>
+          </p:cNvPr>
+          <p:cNvSpPr txBox="1"/>
+          <p:nvPr/>
+        </p:nvSpPr>
+        <p:spPr>
+          <a:xfrm>
+            <a:off x="8585019" y="2654162"/>
+            <a:ext cx="1141659" cy="369332"/>
+          </a:xfrm>
+          <a:prstGeom prst="rect">
+            <a:avLst/>
+          </a:prstGeom>
+          <a:noFill/>
+        </p:spPr>
+        <p:txBody>
+          <a:bodyPr wrap="none" rtlCol="0">
+            <a:spAutoFit/>
+          </a:bodyPr>
+          <a:lstStyle/>
+          <a:p>
+            <a:r>
+              <a:rPr lang="en-US" dirty="0"/>
+              <a:t>ML Model</a:t>
+            </a:r>
+          </a:p>
+        </p:txBody>
+      </p:sp>
+      <p:grpSp>
+        <p:nvGrpSpPr>
+          <p:cNvPr id="14" name="Group 13">
+            <a:extLst>
+              <a:ext uri="{FF2B5EF4-FFF2-40B4-BE49-F238E27FC236}">
+                <a16:creationId xmlns:a16="http://schemas.microsoft.com/office/drawing/2014/main" id="{E290F0CA-5F2E-3F8D-BC99-661F1EB3DDBF}"/>
+              </a:ext>
+            </a:extLst>
+          </p:cNvPr>
+          <p:cNvGrpSpPr/>
+          <p:nvPr/>
+        </p:nvGrpSpPr>
+        <p:grpSpPr>
+          <a:xfrm>
+            <a:off x="4755025" y="2166907"/>
+            <a:ext cx="1418402" cy="1090052"/>
+            <a:chOff x="4244398" y="2892946"/>
+            <a:chExt cx="1418402" cy="1090052"/>
+          </a:xfrm>
+        </p:grpSpPr>
+        <p:sp>
+          <p:nvSpPr>
+            <p:cNvPr id="8" name="TextBox 7">
+              <a:extLst>
+                <a:ext uri="{FF2B5EF4-FFF2-40B4-BE49-F238E27FC236}">
+                  <a16:creationId xmlns:a16="http://schemas.microsoft.com/office/drawing/2014/main" id="{93FDC486-F268-47F5-6EFB-3B088D11EC73}"/>
+                </a:ext>
+              </a:extLst>
+            </p:cNvPr>
+            <p:cNvSpPr txBox="1"/>
+            <p:nvPr/>
+          </p:nvSpPr>
+          <p:spPr>
+            <a:xfrm>
+              <a:off x="4244398" y="3613666"/>
+              <a:ext cx="1418402" cy="369332"/>
+            </a:xfrm>
+            <a:prstGeom prst="rect">
+              <a:avLst/>
+            </a:prstGeom>
+            <a:noFill/>
+          </p:spPr>
+          <p:txBody>
+            <a:bodyPr wrap="none" rtlCol="0">
+              <a:spAutoFit/>
+            </a:bodyPr>
+            <a:lstStyle/>
+            <a:p>
+              <a:r>
+                <a:rPr lang="en-US" dirty="0"/>
+                <a:t>AWS Lambda</a:t>
+              </a:r>
+            </a:p>
+          </p:txBody>
+        </p:sp>
+        <p:pic>
+          <p:nvPicPr>
+            <p:cNvPr id="1046" name="Picture 22" descr="Operating Lambda: Application design – Part 3 | AWS Compute Blog">
+              <a:extLst>
+                <a:ext uri="{FF2B5EF4-FFF2-40B4-BE49-F238E27FC236}">
+                  <a16:creationId xmlns:a16="http://schemas.microsoft.com/office/drawing/2014/main" id="{3C74F2DB-7E97-4545-A3F6-36D1342B6095}"/>
+                </a:ext>
+              </a:extLst>
+            </p:cNvPr>
+            <p:cNvPicPr>
+              <a:picLocks noChangeAspect="1" noChangeArrowheads="1"/>
+            </p:cNvPicPr>
+            <p:nvPr/>
+          </p:nvPicPr>
+          <p:blipFill>
+            <a:blip r:embed="rId6">
+              <a:extLst>
+                <a:ext uri="{28A0092B-C50C-407E-A947-70E740481C1C}">
+                  <a14:useLocalDpi xmlns:a14="http://schemas.microsoft.com/office/drawing/2010/main" val="0"/>
+                </a:ext>
+              </a:extLst>
+            </a:blip>
+            <a:srcRect/>
+            <a:stretch>
+              <a:fillRect/>
+            </a:stretch>
+          </p:blipFill>
+          <p:spPr bwMode="auto">
+            <a:xfrm>
+              <a:off x="4661020" y="2892946"/>
+              <a:ext cx="572593" cy="572593"/>
+            </a:xfrm>
+            <a:prstGeom prst="rect">
+              <a:avLst/>
+            </a:prstGeom>
+            <a:noFill/>
+            <a:extLst>
+              <a:ext uri="{909E8E84-426E-40DD-AFC4-6F175D3DCCD1}">
+                <a14:hiddenFill xmlns:a14="http://schemas.microsoft.com/office/drawing/2010/main">
+                  <a:solidFill>
+                    <a:srgbClr val="FFFFFF"/>
+                  </a:solidFill>
+                </a14:hiddenFill>
+              </a:ext>
+            </a:extLst>
+          </p:spPr>
+        </p:pic>
+      </p:grpSp>
+      <p:pic>
+        <p:nvPicPr>
+          <p:cNvPr id="1044" name="Picture 20" descr="Choosing your container environment on AWS with Lightsail, ECS, EKS,  Lambda, and Fargate | Nathan Peck">
+            <a:extLst>
+              <a:ext uri="{FF2B5EF4-FFF2-40B4-BE49-F238E27FC236}">
+                <a16:creationId xmlns:a16="http://schemas.microsoft.com/office/drawing/2014/main" id="{F5510725-7072-002D-E9F0-9A60BAC32BEE}"/>
+              </a:ext>
+            </a:extLst>
+          </p:cNvPr>
+          <p:cNvPicPr>
+            <a:picLocks noChangeAspect="1" noChangeArrowheads="1"/>
+          </p:cNvPicPr>
+          <p:nvPr/>
+        </p:nvPicPr>
+        <p:blipFill>
+          <a:blip r:embed="rId7">
+            <a:extLst>
+              <a:ext uri="{28A0092B-C50C-407E-A947-70E740481C1C}">
+                <a14:useLocalDpi xmlns:a14="http://schemas.microsoft.com/office/drawing/2010/main" val="0"/>
+              </a:ext>
+            </a:extLst>
+          </a:blip>
+          <a:srcRect/>
+          <a:stretch>
+            <a:fillRect/>
+          </a:stretch>
+        </p:blipFill>
+        <p:spPr bwMode="auto">
+          <a:xfrm>
+            <a:off x="7290904" y="1191495"/>
+            <a:ext cx="266336" cy="266892"/>
+          </a:xfrm>
+          <a:prstGeom prst="rect">
+            <a:avLst/>
+          </a:prstGeom>
+          <a:noFill/>
+          <a:extLst>
+            <a:ext uri="{909E8E84-426E-40DD-AFC4-6F175D3DCCD1}">
+              <a14:hiddenFill xmlns:a14="http://schemas.microsoft.com/office/drawing/2010/main">
+                <a:solidFill>
+                  <a:srgbClr val="FFFFFF"/>
+                </a:solidFill>
+              </a14:hiddenFill>
+            </a:ext>
+          </a:extLst>
+        </p:spPr>
+      </p:pic>
+      <p:sp>
+        <p:nvSpPr>
+          <p:cNvPr id="17" name="TextBox 16">
+            <a:extLst>
+              <a:ext uri="{FF2B5EF4-FFF2-40B4-BE49-F238E27FC236}">
+                <a16:creationId xmlns:a16="http://schemas.microsoft.com/office/drawing/2014/main" id="{D9BE9128-5355-8DF6-26F9-E4B1A0F7100F}"/>
+              </a:ext>
+            </a:extLst>
+          </p:cNvPr>
+          <p:cNvSpPr txBox="1"/>
+          <p:nvPr/>
+        </p:nvSpPr>
+        <p:spPr>
+          <a:xfrm>
+            <a:off x="7579421" y="1207502"/>
+            <a:ext cx="660758" cy="246221"/>
+          </a:xfrm>
+          <a:prstGeom prst="rect">
+            <a:avLst/>
+          </a:prstGeom>
+          <a:noFill/>
+        </p:spPr>
+        <p:txBody>
+          <a:bodyPr wrap="none" rtlCol="0">
+            <a:spAutoFit/>
+          </a:bodyPr>
+          <a:lstStyle/>
+          <a:p>
+            <a:r>
+              <a:rPr lang="en-US" sz="1000" dirty="0"/>
+              <a:t>AWS ECR</a:t>
+            </a:r>
+          </a:p>
+        </p:txBody>
+      </p:sp>
+      <p:sp>
+        <p:nvSpPr>
+          <p:cNvPr id="20" name="Rectangle 19">
+            <a:extLst>
+              <a:ext uri="{FF2B5EF4-FFF2-40B4-BE49-F238E27FC236}">
+                <a16:creationId xmlns:a16="http://schemas.microsoft.com/office/drawing/2014/main" id="{E61C87F6-BF6C-5929-77F5-6D0C909CA87D}"/>
+              </a:ext>
+            </a:extLst>
+          </p:cNvPr>
+          <p:cNvSpPr/>
+          <p:nvPr/>
+        </p:nvSpPr>
+        <p:spPr>
+          <a:xfrm>
+            <a:off x="7401092" y="1847974"/>
+            <a:ext cx="2463616" cy="1207422"/>
+          </a:xfrm>
+          <a:prstGeom prst="rect">
+            <a:avLst/>
+          </a:prstGeom>
+          <a:noFill/>
+          <a:ln>
+            <a:solidFill>
+              <a:schemeClr val="tx1"/>
+            </a:solidFill>
+          </a:ln>
+        </p:spPr>
+        <p:style>
+          <a:lnRef idx="2">
+            <a:schemeClr val="accent1">
+              <a:shade val="50000"/>
+            </a:schemeClr>
+          </a:lnRef>
+          <a:fillRef idx="1">
+            <a:schemeClr val="accent1"/>
+          </a:fillRef>
+          <a:effectRef idx="0">
+            <a:schemeClr val="accent1"/>
+          </a:effectRef>
+          <a:fontRef idx="minor">
+            <a:schemeClr val="lt1"/>
+          </a:fontRef>
+        </p:style>
+        <p:txBody>
+          <a:bodyPr rtlCol="0" anchor="ctr"/>
+          <a:lstStyle/>
+          <a:p>
+            <a:pPr algn="ctr"/>
+            <a:endParaRPr lang="en-US"/>
+          </a:p>
+        </p:txBody>
+      </p:sp>
+      <p:pic>
+        <p:nvPicPr>
+          <p:cNvPr id="1048" name="Picture 24" descr="Press and Media Resources - Docker">
+            <a:extLst>
+              <a:ext uri="{FF2B5EF4-FFF2-40B4-BE49-F238E27FC236}">
+                <a16:creationId xmlns:a16="http://schemas.microsoft.com/office/drawing/2014/main" id="{A044D352-C8C6-1A9C-4F90-76107C36F721}"/>
+              </a:ext>
+            </a:extLst>
+          </p:cNvPr>
+          <p:cNvPicPr>
+            <a:picLocks noChangeAspect="1" noChangeArrowheads="1"/>
+          </p:cNvPicPr>
+          <p:nvPr/>
+        </p:nvPicPr>
+        <p:blipFill>
+          <a:blip r:embed="rId8">
+            <a:extLst>
+              <a:ext uri="{28A0092B-C50C-407E-A947-70E740481C1C}">
+                <a14:useLocalDpi xmlns:a14="http://schemas.microsoft.com/office/drawing/2010/main" val="0"/>
+              </a:ext>
+            </a:extLst>
+          </a:blip>
+          <a:srcRect/>
+          <a:stretch>
+            <a:fillRect/>
+          </a:stretch>
+        </p:blipFill>
+        <p:spPr bwMode="auto">
+          <a:xfrm>
+            <a:off x="7424072" y="1555171"/>
+            <a:ext cx="315881" cy="270273"/>
+          </a:xfrm>
+          <a:prstGeom prst="rect">
+            <a:avLst/>
+          </a:prstGeom>
+          <a:noFill/>
+          <a:extLst>
+            <a:ext uri="{909E8E84-426E-40DD-AFC4-6F175D3DCCD1}">
+              <a14:hiddenFill xmlns:a14="http://schemas.microsoft.com/office/drawing/2010/main">
+                <a:solidFill>
+                  <a:srgbClr val="FFFFFF"/>
+                </a:solidFill>
+              </a14:hiddenFill>
+            </a:ext>
+          </a:extLst>
+        </p:spPr>
+      </p:pic>
+      <p:sp>
+        <p:nvSpPr>
+          <p:cNvPr id="21" name="TextBox 20">
+            <a:extLst>
+              <a:ext uri="{FF2B5EF4-FFF2-40B4-BE49-F238E27FC236}">
+                <a16:creationId xmlns:a16="http://schemas.microsoft.com/office/drawing/2014/main" id="{A06B7469-69EB-3DEE-39B6-A8EC7ED20788}"/>
+              </a:ext>
+            </a:extLst>
+          </p:cNvPr>
+          <p:cNvSpPr txBox="1"/>
+          <p:nvPr/>
+        </p:nvSpPr>
+        <p:spPr>
+          <a:xfrm>
+            <a:off x="7690203" y="1585802"/>
+            <a:ext cx="1816798" cy="246221"/>
+          </a:xfrm>
+          <a:prstGeom prst="rect">
+            <a:avLst/>
+          </a:prstGeom>
+          <a:noFill/>
+        </p:spPr>
+        <p:txBody>
+          <a:bodyPr wrap="square" rtlCol="0">
+            <a:spAutoFit/>
+          </a:bodyPr>
+          <a:lstStyle/>
+          <a:p>
+            <a:r>
+              <a:rPr lang="en-US" sz="1000" dirty="0"/>
+              <a:t>Docker container</a:t>
+            </a:r>
+          </a:p>
+        </p:txBody>
+      </p:sp>
+      <p:sp>
+        <p:nvSpPr>
+          <p:cNvPr id="22" name="Rectangle 21">
+            <a:extLst>
+              <a:ext uri="{FF2B5EF4-FFF2-40B4-BE49-F238E27FC236}">
+                <a16:creationId xmlns:a16="http://schemas.microsoft.com/office/drawing/2014/main" id="{30759635-E89F-27F0-B5FE-F19DFAAE6A3B}"/>
+              </a:ext>
+            </a:extLst>
+          </p:cNvPr>
+          <p:cNvSpPr/>
+          <p:nvPr/>
+        </p:nvSpPr>
+        <p:spPr>
+          <a:xfrm>
+            <a:off x="7278024" y="1499285"/>
+            <a:ext cx="2788459" cy="1757674"/>
+          </a:xfrm>
+          <a:prstGeom prst="rect">
+            <a:avLst/>
+          </a:prstGeom>
+          <a:noFill/>
+          <a:ln>
+            <a:solidFill>
+              <a:schemeClr val="tx1"/>
+            </a:solidFill>
+          </a:ln>
+        </p:spPr>
+        <p:style>
+          <a:lnRef idx="2">
+            <a:schemeClr val="accent1">
+              <a:shade val="50000"/>
+            </a:schemeClr>
+          </a:lnRef>
+          <a:fillRef idx="1">
+            <a:schemeClr val="accent1"/>
+          </a:fillRef>
+          <a:effectRef idx="0">
+            <a:schemeClr val="accent1"/>
+          </a:effectRef>
+          <a:fontRef idx="minor">
+            <a:schemeClr val="lt1"/>
+          </a:fontRef>
+        </p:style>
+        <p:txBody>
+          <a:bodyPr rtlCol="0" anchor="ctr"/>
+          <a:lstStyle/>
+          <a:p>
+            <a:pPr algn="ctr"/>
+            <a:endParaRPr lang="en-US"/>
+          </a:p>
+        </p:txBody>
+      </p:sp>
+      <p:sp>
+        <p:nvSpPr>
+          <p:cNvPr id="36" name="TextBox 35">
+            <a:extLst>
+              <a:ext uri="{FF2B5EF4-FFF2-40B4-BE49-F238E27FC236}">
+                <a16:creationId xmlns:a16="http://schemas.microsoft.com/office/drawing/2014/main" id="{5A45CA1F-331B-56A5-0112-FBACE599B7E5}"/>
+              </a:ext>
+            </a:extLst>
+          </p:cNvPr>
+          <p:cNvSpPr txBox="1"/>
+          <p:nvPr/>
+        </p:nvSpPr>
+        <p:spPr>
+          <a:xfrm>
+            <a:off x="2098379" y="2021557"/>
+            <a:ext cx="1264574" cy="430887"/>
+          </a:xfrm>
+          <a:prstGeom prst="rect">
+            <a:avLst/>
+          </a:prstGeom>
+          <a:noFill/>
+        </p:spPr>
+        <p:txBody>
+          <a:bodyPr wrap="square" rtlCol="0">
+            <a:spAutoFit/>
+          </a:bodyPr>
+          <a:lstStyle/>
+          <a:p>
+            <a:r>
+              <a:rPr lang="en-US" sz="1100" dirty="0"/>
+              <a:t>Request</a:t>
+            </a:r>
+          </a:p>
+          <a:p>
+            <a:r>
+              <a:rPr lang="en-US" sz="1100" dirty="0"/>
+              <a:t>Postback action</a:t>
+            </a:r>
+          </a:p>
+        </p:txBody>
+      </p:sp>
+      <p:sp>
+        <p:nvSpPr>
+          <p:cNvPr id="37" name="TextBox 36">
+            <a:extLst>
+              <a:ext uri="{FF2B5EF4-FFF2-40B4-BE49-F238E27FC236}">
+                <a16:creationId xmlns:a16="http://schemas.microsoft.com/office/drawing/2014/main" id="{D9821ECB-0EA4-A35F-8042-7B9355C1608E}"/>
+              </a:ext>
+            </a:extLst>
+          </p:cNvPr>
+          <p:cNvSpPr txBox="1"/>
+          <p:nvPr/>
+        </p:nvSpPr>
+        <p:spPr>
+          <a:xfrm>
+            <a:off x="4026932" y="2171721"/>
+            <a:ext cx="918841" cy="253916"/>
+          </a:xfrm>
+          <a:prstGeom prst="rect">
+            <a:avLst/>
+          </a:prstGeom>
+          <a:noFill/>
+        </p:spPr>
+        <p:txBody>
+          <a:bodyPr wrap="none" rtlCol="0">
+            <a:spAutoFit/>
+          </a:bodyPr>
+          <a:lstStyle/>
+          <a:p>
+            <a:r>
+              <a:rPr lang="en-US" sz="1050" dirty="0"/>
+              <a:t>Call webhook</a:t>
+            </a:r>
+          </a:p>
+        </p:txBody>
+      </p:sp>
+      <p:sp>
+        <p:nvSpPr>
+          <p:cNvPr id="38" name="TextBox 37">
+            <a:extLst>
+              <a:ext uri="{FF2B5EF4-FFF2-40B4-BE49-F238E27FC236}">
+                <a16:creationId xmlns:a16="http://schemas.microsoft.com/office/drawing/2014/main" id="{66CD31EE-250F-24D4-D100-D84CD149D60D}"/>
+              </a:ext>
+            </a:extLst>
+          </p:cNvPr>
+          <p:cNvSpPr txBox="1"/>
+          <p:nvPr/>
+        </p:nvSpPr>
+        <p:spPr>
+          <a:xfrm>
+            <a:off x="5966276" y="2164027"/>
+            <a:ext cx="1160895" cy="261610"/>
+          </a:xfrm>
+          <a:prstGeom prst="rect">
+            <a:avLst/>
+          </a:prstGeom>
+          <a:noFill/>
+        </p:spPr>
+        <p:txBody>
+          <a:bodyPr wrap="none" rtlCol="0">
+            <a:spAutoFit/>
+          </a:bodyPr>
+          <a:lstStyle/>
+          <a:p>
+            <a:r>
+              <a:rPr lang="en-US" sz="1100" dirty="0"/>
+              <a:t>Activate function</a:t>
+            </a:r>
+          </a:p>
+        </p:txBody>
+      </p:sp>
+      <p:cxnSp>
+        <p:nvCxnSpPr>
+          <p:cNvPr id="40" name="Connector: Elbow 39">
+            <a:extLst>
+              <a:ext uri="{FF2B5EF4-FFF2-40B4-BE49-F238E27FC236}">
+                <a16:creationId xmlns:a16="http://schemas.microsoft.com/office/drawing/2014/main" id="{52BC6F98-40D1-8176-8642-061AB37887AF}"/>
+              </a:ext>
+            </a:extLst>
+          </p:cNvPr>
+          <p:cNvCxnSpPr>
+            <a:stCxn id="5" idx="3"/>
+            <a:endCxn id="1026" idx="1"/>
+          </p:cNvCxnSpPr>
+          <p:nvPr/>
+        </p:nvCxnSpPr>
+        <p:spPr>
+          <a:xfrm flipV="1">
+            <a:off x="2041365" y="2453373"/>
+            <a:ext cx="1138981" cy="1"/>
+          </a:xfrm>
+          <a:prstGeom prst="bentConnector3">
+            <a:avLst/>
+          </a:prstGeom>
+          <a:ln>
+            <a:headEnd type="triangle"/>
+            <a:tailEnd type="triangle"/>
+          </a:ln>
+        </p:spPr>
+        <p:style>
+          <a:lnRef idx="1">
+            <a:schemeClr val="dk1"/>
+          </a:lnRef>
+          <a:fillRef idx="0">
+            <a:schemeClr val="dk1"/>
+          </a:fillRef>
+          <a:effectRef idx="0">
+            <a:schemeClr val="dk1"/>
+          </a:effectRef>
+          <a:fontRef idx="minor">
+            <a:schemeClr val="tx1"/>
+          </a:fontRef>
+        </p:style>
+      </p:cxnSp>
+      <p:cxnSp>
+        <p:nvCxnSpPr>
+          <p:cNvPr id="42" name="Connector: Elbow 41">
+            <a:extLst>
+              <a:ext uri="{FF2B5EF4-FFF2-40B4-BE49-F238E27FC236}">
+                <a16:creationId xmlns:a16="http://schemas.microsoft.com/office/drawing/2014/main" id="{93087026-3B7A-A4D9-F255-42289C0E4707}"/>
+              </a:ext>
+            </a:extLst>
+          </p:cNvPr>
+          <p:cNvCxnSpPr>
+            <a:stCxn id="1026" idx="3"/>
+            <a:endCxn id="1046" idx="1"/>
+          </p:cNvCxnSpPr>
+          <p:nvPr/>
+        </p:nvCxnSpPr>
+        <p:spPr>
+          <a:xfrm flipV="1">
+            <a:off x="3808412" y="2453204"/>
+            <a:ext cx="1363235" cy="169"/>
+          </a:xfrm>
+          <a:prstGeom prst="bentConnector3">
+            <a:avLst/>
+          </a:prstGeom>
+          <a:ln>
+            <a:headEnd type="triangle"/>
+            <a:tailEnd type="triangle"/>
+          </a:ln>
+        </p:spPr>
+        <p:style>
+          <a:lnRef idx="1">
+            <a:schemeClr val="dk1"/>
+          </a:lnRef>
+          <a:fillRef idx="0">
+            <a:schemeClr val="dk1"/>
+          </a:fillRef>
+          <a:effectRef idx="0">
+            <a:schemeClr val="dk1"/>
+          </a:effectRef>
+          <a:fontRef idx="minor">
+            <a:schemeClr val="tx1"/>
+          </a:fontRef>
+        </p:style>
+      </p:cxnSp>
+      <p:cxnSp>
+        <p:nvCxnSpPr>
+          <p:cNvPr id="49" name="Connector: Elbow 48">
+            <a:extLst>
+              <a:ext uri="{FF2B5EF4-FFF2-40B4-BE49-F238E27FC236}">
+                <a16:creationId xmlns:a16="http://schemas.microsoft.com/office/drawing/2014/main" id="{1D4F9C21-2F61-1A72-B59D-83386D7BA353}"/>
+              </a:ext>
+            </a:extLst>
+          </p:cNvPr>
+          <p:cNvCxnSpPr>
+            <a:stCxn id="1046" idx="3"/>
+            <a:endCxn id="20" idx="1"/>
+          </p:cNvCxnSpPr>
+          <p:nvPr/>
+        </p:nvCxnSpPr>
+        <p:spPr>
+          <a:xfrm flipV="1">
+            <a:off x="5744240" y="2451685"/>
+            <a:ext cx="1656852" cy="1519"/>
+          </a:xfrm>
+          <a:prstGeom prst="bentConnector3">
+            <a:avLst/>
+          </a:prstGeom>
+          <a:ln>
+            <a:headEnd type="triangle"/>
+            <a:tailEnd type="triangle"/>
+          </a:ln>
+        </p:spPr>
+        <p:style>
+          <a:lnRef idx="1">
+            <a:schemeClr val="dk1"/>
+          </a:lnRef>
+          <a:fillRef idx="0">
+            <a:schemeClr val="dk1"/>
+          </a:fillRef>
+          <a:effectRef idx="0">
+            <a:schemeClr val="dk1"/>
+          </a:effectRef>
+          <a:fontRef idx="minor">
+            <a:schemeClr val="tx1"/>
+          </a:fontRef>
+        </p:style>
+      </p:cxnSp>
+      <p:sp>
+        <p:nvSpPr>
+          <p:cNvPr id="51" name="TextBox 50">
+            <a:extLst>
+              <a:ext uri="{FF2B5EF4-FFF2-40B4-BE49-F238E27FC236}">
+                <a16:creationId xmlns:a16="http://schemas.microsoft.com/office/drawing/2014/main" id="{68C62F76-56A6-318E-F10D-4F00D7D0FEB8}"/>
+              </a:ext>
+            </a:extLst>
+          </p:cNvPr>
+          <p:cNvSpPr txBox="1"/>
+          <p:nvPr/>
+        </p:nvSpPr>
+        <p:spPr>
+          <a:xfrm>
+            <a:off x="2199139" y="2485167"/>
+            <a:ext cx="764953" cy="600164"/>
+          </a:xfrm>
+          <a:prstGeom prst="rect">
+            <a:avLst/>
+          </a:prstGeom>
+          <a:noFill/>
+        </p:spPr>
+        <p:txBody>
+          <a:bodyPr wrap="none" rtlCol="0">
+            <a:spAutoFit/>
+          </a:bodyPr>
+          <a:lstStyle/>
+          <a:p>
+            <a:r>
+              <a:rPr lang="en-US" sz="1100" dirty="0"/>
+              <a:t>Response </a:t>
+            </a:r>
+          </a:p>
+          <a:p>
+            <a:r>
+              <a:rPr lang="en-US" sz="1100" dirty="0"/>
+              <a:t>Text </a:t>
+            </a:r>
+          </a:p>
+          <a:p>
+            <a:r>
+              <a:rPr lang="en-US" sz="1100" dirty="0"/>
+              <a:t>message</a:t>
+            </a:r>
+          </a:p>
+        </p:txBody>
+      </p:sp>
+      <p:sp>
+        <p:nvSpPr>
+          <p:cNvPr id="53" name="TextBox 52">
+            <a:extLst>
+              <a:ext uri="{FF2B5EF4-FFF2-40B4-BE49-F238E27FC236}">
+                <a16:creationId xmlns:a16="http://schemas.microsoft.com/office/drawing/2014/main" id="{CEC6FAB1-A3B5-620F-A645-D60226B845A1}"/>
+              </a:ext>
+            </a:extLst>
+          </p:cNvPr>
+          <p:cNvSpPr txBox="1"/>
+          <p:nvPr/>
+        </p:nvSpPr>
+        <p:spPr>
+          <a:xfrm>
+            <a:off x="3811088" y="2513642"/>
+            <a:ext cx="1393330" cy="261610"/>
+          </a:xfrm>
+          <a:prstGeom prst="rect">
+            <a:avLst/>
+          </a:prstGeom>
+          <a:noFill/>
+        </p:spPr>
+        <p:txBody>
+          <a:bodyPr wrap="none" rtlCol="0">
+            <a:spAutoFit/>
+          </a:bodyPr>
+          <a:lstStyle/>
+          <a:p>
+            <a:r>
+              <a:rPr lang="en-US" sz="1100" dirty="0"/>
+              <a:t>Response summarize</a:t>
+            </a:r>
+          </a:p>
+        </p:txBody>
+      </p:sp>
+    </p:spTree>
+    <p:extLst>
+      <p:ext uri="{BB962C8B-B14F-4D97-AF65-F5344CB8AC3E}">
+        <p14:creationId xmlns:p14="http://schemas.microsoft.com/office/powerpoint/2010/main" val="171180501"/>
+      </p:ext>
+    </p:extLst>
+  </p:cSld>
+  <p:clrMapOvr>
+    <a:masterClrMapping/>
+  </p:clrMapOvr>
+</p:sld>
+</file>
+
+<file path=ppt/slides/slide9.xml><?xml version="1.0" encoding="utf-8"?>
+<p:sld xmlns:a="http://schemas.openxmlformats.org/drawingml/2006/main" xmlns:r="http://schemas.openxmlformats.org/officeDocument/2006/relationships" xmlns:p="http://schemas.openxmlformats.org/presentationml/2006/main">
+  <p:cSld>
+    <p:spTree>
+      <p:nvGrpSpPr>
+        <p:cNvPr id="1" name=""/>
+        <p:cNvGrpSpPr/>
+        <p:nvPr/>
+      </p:nvGrpSpPr>
+      <p:grpSpPr>
+        <a:xfrm>
+          <a:off x="0" y="0"/>
+          <a:ext cx="0" cy="0"/>
+          <a:chOff x="0" y="0"/>
+          <a:chExt cx="0" cy="0"/>
+        </a:xfrm>
+      </p:grpSpPr>
+      <p:sp>
+        <p:nvSpPr>
+          <p:cNvPr id="47" name="TextBox 46">
+            <a:extLst>
+              <a:ext uri="{FF2B5EF4-FFF2-40B4-BE49-F238E27FC236}">
+                <a16:creationId xmlns:a16="http://schemas.microsoft.com/office/drawing/2014/main" id="{60DB3EF7-3D82-7A43-5A4A-7F7D93C46331}"/>
+              </a:ext>
+            </a:extLst>
+          </p:cNvPr>
+          <p:cNvSpPr txBox="1"/>
+          <p:nvPr/>
+        </p:nvSpPr>
+        <p:spPr>
+          <a:xfrm>
+            <a:off x="4780103" y="418400"/>
+            <a:ext cx="875561" cy="707886"/>
+          </a:xfrm>
+          <a:prstGeom prst="rect">
+            <a:avLst/>
+          </a:prstGeom>
+          <a:noFill/>
+        </p:spPr>
+        <p:txBody>
+          <a:bodyPr wrap="none" rtlCol="0">
+            <a:spAutoFit/>
+          </a:bodyPr>
+          <a:lstStyle/>
+          <a:p>
+            <a:r>
+              <a:rPr lang="en-US" sz="4000" dirty="0"/>
+              <a:t>API</a:t>
+            </a:r>
+          </a:p>
+        </p:txBody>
+      </p:sp>
+      <p:sp>
+        <p:nvSpPr>
+          <p:cNvPr id="3" name="TextBox 2">
+            <a:extLst>
+              <a:ext uri="{FF2B5EF4-FFF2-40B4-BE49-F238E27FC236}">
+                <a16:creationId xmlns:a16="http://schemas.microsoft.com/office/drawing/2014/main" id="{74086789-D270-3E18-745C-A079C6AF8E07}"/>
+              </a:ext>
+            </a:extLst>
+          </p:cNvPr>
+          <p:cNvSpPr txBox="1"/>
+          <p:nvPr/>
+        </p:nvSpPr>
+        <p:spPr>
+          <a:xfrm>
+            <a:off x="746447" y="4217436"/>
+            <a:ext cx="705514" cy="369332"/>
+          </a:xfrm>
+          <a:prstGeom prst="rect">
+            <a:avLst/>
+          </a:prstGeom>
+          <a:noFill/>
+        </p:spPr>
+        <p:txBody>
+          <a:bodyPr wrap="none" rtlCol="0">
+            <a:spAutoFit/>
+          </a:bodyPr>
+          <a:lstStyle/>
+          <a:p>
+            <a:r>
+              <a:rPr lang="en-US" dirty="0"/>
+              <a:t>Event</a:t>
+            </a:r>
+          </a:p>
+        </p:txBody>
+      </p:sp>
+      <p:pic>
+        <p:nvPicPr>
+          <p:cNvPr id="2052" name="Picture 4" descr=" ">
+            <a:extLst>
+              <a:ext uri="{FF2B5EF4-FFF2-40B4-BE49-F238E27FC236}">
+                <a16:creationId xmlns:a16="http://schemas.microsoft.com/office/drawing/2014/main" id="{F369E018-40A7-2D9A-C56A-F9C45A3E326A}"/>
+              </a:ext>
+            </a:extLst>
+          </p:cNvPr>
+          <p:cNvPicPr>
+            <a:picLocks noChangeAspect="1" noChangeArrowheads="1"/>
+          </p:cNvPicPr>
+          <p:nvPr/>
+        </p:nvPicPr>
+        <p:blipFill>
+          <a:blip r:embed="rId2">
+            <a:extLst>
+              <a:ext uri="{28A0092B-C50C-407E-A947-70E740481C1C}">
+                <a14:useLocalDpi xmlns:a14="http://schemas.microsoft.com/office/drawing/2010/main" val="0"/>
+              </a:ext>
+            </a:extLst>
+          </a:blip>
+          <a:srcRect/>
+          <a:stretch>
+            <a:fillRect/>
+          </a:stretch>
+        </p:blipFill>
+        <p:spPr bwMode="auto">
+          <a:xfrm>
+            <a:off x="717129" y="3438330"/>
+            <a:ext cx="779106" cy="779106"/>
+          </a:xfrm>
+          <a:prstGeom prst="rect">
+            <a:avLst/>
+          </a:prstGeom>
+          <a:noFill/>
+          <a:extLst>
+            <a:ext uri="{909E8E84-426E-40DD-AFC4-6F175D3DCCD1}">
+              <a14:hiddenFill xmlns:a14="http://schemas.microsoft.com/office/drawing/2010/main">
+                <a:solidFill>
+                  <a:srgbClr val="FFFFFF"/>
+                </a:solidFill>
+              </a14:hiddenFill>
+            </a:ext>
+          </a:extLst>
+        </p:spPr>
+      </p:pic>
+      <p:pic>
+        <p:nvPicPr>
+          <p:cNvPr id="2054" name="Picture 6" descr=" ">
+            <a:extLst>
+              <a:ext uri="{FF2B5EF4-FFF2-40B4-BE49-F238E27FC236}">
+                <a16:creationId xmlns:a16="http://schemas.microsoft.com/office/drawing/2014/main" id="{69146F25-576F-C183-C019-6CE82C302E2D}"/>
+              </a:ext>
+            </a:extLst>
+          </p:cNvPr>
+          <p:cNvPicPr>
+            <a:picLocks noChangeAspect="1" noChangeArrowheads="1"/>
+          </p:cNvPicPr>
+          <p:nvPr/>
+        </p:nvPicPr>
+        <p:blipFill>
+          <a:blip r:embed="rId3">
+            <a:extLst>
+              <a:ext uri="{28A0092B-C50C-407E-A947-70E740481C1C}">
+                <a14:useLocalDpi xmlns:a14="http://schemas.microsoft.com/office/drawing/2010/main" val="0"/>
+              </a:ext>
+            </a:extLst>
+          </a:blip>
+          <a:srcRect/>
+          <a:stretch>
+            <a:fillRect/>
+          </a:stretch>
+        </p:blipFill>
+        <p:spPr bwMode="auto">
+          <a:xfrm>
+            <a:off x="2851987" y="2300893"/>
+            <a:ext cx="480973" cy="480973"/>
+          </a:xfrm>
+          <a:prstGeom prst="rect">
+            <a:avLst/>
+          </a:prstGeom>
+          <a:noFill/>
+          <a:extLst>
+            <a:ext uri="{909E8E84-426E-40DD-AFC4-6F175D3DCCD1}">
+              <a14:hiddenFill xmlns:a14="http://schemas.microsoft.com/office/drawing/2010/main">
+                <a:solidFill>
+                  <a:srgbClr val="FFFFFF"/>
+                </a:solidFill>
+              </a14:hiddenFill>
+            </a:ext>
+          </a:extLst>
+        </p:spPr>
+      </p:pic>
+      <p:sp>
+        <p:nvSpPr>
+          <p:cNvPr id="5" name="TextBox 4">
+            <a:extLst>
+              <a:ext uri="{FF2B5EF4-FFF2-40B4-BE49-F238E27FC236}">
+                <a16:creationId xmlns:a16="http://schemas.microsoft.com/office/drawing/2014/main" id="{28AA6AC1-2921-83D8-D7AD-E81A1C08412F}"/>
+              </a:ext>
+            </a:extLst>
+          </p:cNvPr>
+          <p:cNvSpPr txBox="1"/>
+          <p:nvPr/>
+        </p:nvSpPr>
+        <p:spPr>
+          <a:xfrm>
+            <a:off x="2548878" y="2935431"/>
+            <a:ext cx="1009892" cy="369332"/>
+          </a:xfrm>
+          <a:prstGeom prst="rect">
+            <a:avLst/>
+          </a:prstGeom>
+          <a:noFill/>
+        </p:spPr>
+        <p:txBody>
+          <a:bodyPr wrap="none" rtlCol="0">
+            <a:spAutoFit/>
+          </a:bodyPr>
+          <a:lstStyle/>
+          <a:p>
+            <a:r>
+              <a:rPr lang="en-US" dirty="0"/>
+              <a:t>Message</a:t>
+            </a:r>
+          </a:p>
+        </p:txBody>
+      </p:sp>
+      <p:pic>
+        <p:nvPicPr>
+          <p:cNvPr id="2058" name="Picture 10" descr="Paper clip - Free miscellaneous icons">
+            <a:extLst>
+              <a:ext uri="{FF2B5EF4-FFF2-40B4-BE49-F238E27FC236}">
+                <a16:creationId xmlns:a16="http://schemas.microsoft.com/office/drawing/2014/main" id="{84397010-3230-CF76-76D2-6139ABF0692E}"/>
+              </a:ext>
+            </a:extLst>
+          </p:cNvPr>
+          <p:cNvPicPr>
+            <a:picLocks noChangeAspect="1" noChangeArrowheads="1"/>
+          </p:cNvPicPr>
+          <p:nvPr/>
+        </p:nvPicPr>
+        <p:blipFill>
+          <a:blip r:embed="rId4">
+            <a:extLst>
+              <a:ext uri="{28A0092B-C50C-407E-A947-70E740481C1C}">
+                <a14:useLocalDpi xmlns:a14="http://schemas.microsoft.com/office/drawing/2010/main" val="0"/>
+              </a:ext>
+            </a:extLst>
+          </a:blip>
+          <a:srcRect/>
+          <a:stretch>
+            <a:fillRect/>
+          </a:stretch>
+        </p:blipFill>
+        <p:spPr bwMode="auto">
+          <a:xfrm>
+            <a:off x="2857257" y="3991560"/>
+            <a:ext cx="451752" cy="451752"/>
+          </a:xfrm>
+          <a:prstGeom prst="rect">
+            <a:avLst/>
+          </a:prstGeom>
+          <a:noFill/>
+          <a:extLst>
+            <a:ext uri="{909E8E84-426E-40DD-AFC4-6F175D3DCCD1}">
+              <a14:hiddenFill xmlns:a14="http://schemas.microsoft.com/office/drawing/2010/main">
+                <a:solidFill>
+                  <a:srgbClr val="FFFFFF"/>
+                </a:solidFill>
+              </a14:hiddenFill>
+            </a:ext>
+          </a:extLst>
+        </p:spPr>
+      </p:pic>
+      <p:sp>
+        <p:nvSpPr>
+          <p:cNvPr id="7" name="TextBox 6">
+            <a:extLst>
+              <a:ext uri="{FF2B5EF4-FFF2-40B4-BE49-F238E27FC236}">
+                <a16:creationId xmlns:a16="http://schemas.microsoft.com/office/drawing/2014/main" id="{3E3C68DA-9B29-02EC-8051-E482FDE6AB37}"/>
+              </a:ext>
+            </a:extLst>
+          </p:cNvPr>
+          <p:cNvSpPr txBox="1"/>
+          <p:nvPr/>
+        </p:nvSpPr>
+        <p:spPr>
+          <a:xfrm>
+            <a:off x="2582942" y="4570081"/>
+            <a:ext cx="1019062" cy="369332"/>
+          </a:xfrm>
+          <a:prstGeom prst="rect">
+            <a:avLst/>
+          </a:prstGeom>
+          <a:noFill/>
+        </p:spPr>
+        <p:txBody>
+          <a:bodyPr wrap="none" rtlCol="0">
+            <a:spAutoFit/>
+          </a:bodyPr>
+          <a:lstStyle/>
+          <a:p>
+            <a:r>
+              <a:rPr lang="en-US" dirty="0"/>
+              <a:t>Postback</a:t>
+            </a:r>
+          </a:p>
+        </p:txBody>
+      </p:sp>
+      <p:pic>
+        <p:nvPicPr>
+          <p:cNvPr id="2060" name="Picture 12" descr=" ">
+            <a:extLst>
+              <a:ext uri="{FF2B5EF4-FFF2-40B4-BE49-F238E27FC236}">
+                <a16:creationId xmlns:a16="http://schemas.microsoft.com/office/drawing/2014/main" id="{5524F551-6C7E-951E-367B-5FF63D85FBFC}"/>
+              </a:ext>
+            </a:extLst>
+          </p:cNvPr>
+          <p:cNvPicPr>
+            <a:picLocks noChangeAspect="1" noChangeArrowheads="1"/>
+          </p:cNvPicPr>
+          <p:nvPr/>
+        </p:nvPicPr>
+        <p:blipFill>
+          <a:blip r:embed="rId5">
+            <a:extLst>
+              <a:ext uri="{28A0092B-C50C-407E-A947-70E740481C1C}">
+                <a14:useLocalDpi xmlns:a14="http://schemas.microsoft.com/office/drawing/2010/main" val="0"/>
+              </a:ext>
+            </a:extLst>
+          </a:blip>
+          <a:srcRect/>
+          <a:stretch>
+            <a:fillRect/>
+          </a:stretch>
+        </p:blipFill>
+        <p:spPr bwMode="auto">
+          <a:xfrm>
+            <a:off x="4850100" y="3051110"/>
+            <a:ext cx="432614" cy="432614"/>
+          </a:xfrm>
+          <a:prstGeom prst="rect">
+            <a:avLst/>
+          </a:prstGeom>
+          <a:noFill/>
+          <a:extLst>
+            <a:ext uri="{909E8E84-426E-40DD-AFC4-6F175D3DCCD1}">
+              <a14:hiddenFill xmlns:a14="http://schemas.microsoft.com/office/drawing/2010/main">
+                <a:solidFill>
+                  <a:srgbClr val="FFFFFF"/>
+                </a:solidFill>
+              </a14:hiddenFill>
+            </a:ext>
+          </a:extLst>
+        </p:spPr>
+      </p:pic>
+      <p:sp>
+        <p:nvSpPr>
+          <p:cNvPr id="9" name="TextBox 8">
+            <a:extLst>
+              <a:ext uri="{FF2B5EF4-FFF2-40B4-BE49-F238E27FC236}">
+                <a16:creationId xmlns:a16="http://schemas.microsoft.com/office/drawing/2014/main" id="{02E76F3C-2346-EC9F-6AB5-F1C0DCBA1AAE}"/>
+              </a:ext>
+            </a:extLst>
+          </p:cNvPr>
+          <p:cNvSpPr txBox="1"/>
+          <p:nvPr/>
+        </p:nvSpPr>
+        <p:spPr>
+          <a:xfrm>
+            <a:off x="4482487" y="3589719"/>
+            <a:ext cx="1202573" cy="369332"/>
+          </a:xfrm>
+          <a:prstGeom prst="rect">
+            <a:avLst/>
+          </a:prstGeom>
+          <a:noFill/>
+        </p:spPr>
+        <p:txBody>
+          <a:bodyPr wrap="none" rtlCol="0">
+            <a:spAutoFit/>
+          </a:bodyPr>
+          <a:lstStyle/>
+          <a:p>
+            <a:r>
+              <a:rPr lang="en-US" dirty="0"/>
+              <a:t>Other type</a:t>
+            </a:r>
+          </a:p>
+        </p:txBody>
+      </p:sp>
+      <p:pic>
+        <p:nvPicPr>
+          <p:cNvPr id="2062" name="Picture 14" descr=" ">
+            <a:extLst>
+              <a:ext uri="{FF2B5EF4-FFF2-40B4-BE49-F238E27FC236}">
+                <a16:creationId xmlns:a16="http://schemas.microsoft.com/office/drawing/2014/main" id="{00818E05-3B68-62ED-07A4-EDCD75ADC3ED}"/>
+              </a:ext>
+            </a:extLst>
+          </p:cNvPr>
+          <p:cNvPicPr>
+            <a:picLocks noChangeAspect="1" noChangeArrowheads="1"/>
+          </p:cNvPicPr>
+          <p:nvPr/>
+        </p:nvPicPr>
+        <p:blipFill>
+          <a:blip r:embed="rId6">
+            <a:extLst>
+              <a:ext uri="{28A0092B-C50C-407E-A947-70E740481C1C}">
+                <a14:useLocalDpi xmlns:a14="http://schemas.microsoft.com/office/drawing/2010/main" val="0"/>
+              </a:ext>
+            </a:extLst>
+          </a:blip>
+          <a:srcRect/>
+          <a:stretch>
+            <a:fillRect/>
+          </a:stretch>
+        </p:blipFill>
+        <p:spPr bwMode="auto">
+          <a:xfrm>
+            <a:off x="6589648" y="1692493"/>
+            <a:ext cx="578442" cy="578442"/>
+          </a:xfrm>
+          <a:prstGeom prst="rect">
+            <a:avLst/>
+          </a:prstGeom>
+          <a:noFill/>
+          <a:extLst>
+            <a:ext uri="{909E8E84-426E-40DD-AFC4-6F175D3DCCD1}">
+              <a14:hiddenFill xmlns:a14="http://schemas.microsoft.com/office/drawing/2010/main">
+                <a:solidFill>
+                  <a:srgbClr val="FFFFFF"/>
+                </a:solidFill>
+              </a14:hiddenFill>
+            </a:ext>
+          </a:extLst>
+        </p:spPr>
+      </p:pic>
+      <p:pic>
+        <p:nvPicPr>
+          <p:cNvPr id="2066" name="Picture 18" descr="Free Icon | Font">
+            <a:extLst>
+              <a:ext uri="{FF2B5EF4-FFF2-40B4-BE49-F238E27FC236}">
+                <a16:creationId xmlns:a16="http://schemas.microsoft.com/office/drawing/2014/main" id="{6F019146-D8B3-754A-E004-9B6003F4DE4B}"/>
+              </a:ext>
+            </a:extLst>
+          </p:cNvPr>
+          <p:cNvPicPr>
+            <a:picLocks noChangeAspect="1" noChangeArrowheads="1"/>
+          </p:cNvPicPr>
+          <p:nvPr/>
+        </p:nvPicPr>
+        <p:blipFill>
+          <a:blip r:embed="rId7">
+            <a:extLst>
+              <a:ext uri="{28A0092B-C50C-407E-A947-70E740481C1C}">
+                <a14:useLocalDpi xmlns:a14="http://schemas.microsoft.com/office/drawing/2010/main" val="0"/>
+              </a:ext>
+            </a:extLst>
+          </a:blip>
+          <a:srcRect/>
+          <a:stretch>
+            <a:fillRect/>
+          </a:stretch>
+        </p:blipFill>
+        <p:spPr bwMode="auto">
+          <a:xfrm>
+            <a:off x="4850100" y="1725900"/>
+            <a:ext cx="511629" cy="511629"/>
+          </a:xfrm>
+          <a:prstGeom prst="rect">
+            <a:avLst/>
+          </a:prstGeom>
+          <a:noFill/>
+          <a:extLst>
+            <a:ext uri="{909E8E84-426E-40DD-AFC4-6F175D3DCCD1}">
+              <a14:hiddenFill xmlns:a14="http://schemas.microsoft.com/office/drawing/2010/main">
+                <a:solidFill>
+                  <a:srgbClr val="FFFFFF"/>
+                </a:solidFill>
+              </a14:hiddenFill>
+            </a:ext>
+          </a:extLst>
+        </p:spPr>
+      </p:pic>
+      <p:sp>
+        <p:nvSpPr>
+          <p:cNvPr id="11" name="TextBox 10">
+            <a:extLst>
+              <a:ext uri="{FF2B5EF4-FFF2-40B4-BE49-F238E27FC236}">
+                <a16:creationId xmlns:a16="http://schemas.microsoft.com/office/drawing/2014/main" id="{C52870A1-4473-3ABA-4F2E-DD67C5B2D1E8}"/>
+              </a:ext>
+            </a:extLst>
+          </p:cNvPr>
+          <p:cNvSpPr txBox="1"/>
+          <p:nvPr/>
+        </p:nvSpPr>
+        <p:spPr>
+          <a:xfrm>
+            <a:off x="4801100" y="2287726"/>
+            <a:ext cx="565348" cy="369332"/>
+          </a:xfrm>
+          <a:prstGeom prst="rect">
+            <a:avLst/>
+          </a:prstGeom>
+          <a:noFill/>
+        </p:spPr>
+        <p:txBody>
+          <a:bodyPr wrap="none" rtlCol="0">
+            <a:spAutoFit/>
+          </a:bodyPr>
+          <a:lstStyle/>
+          <a:p>
+            <a:r>
+              <a:rPr lang="en-US" dirty="0"/>
+              <a:t>Text</a:t>
+            </a:r>
+          </a:p>
+        </p:txBody>
+      </p:sp>
+      <p:sp>
+        <p:nvSpPr>
+          <p:cNvPr id="12" name="TextBox 11">
+            <a:extLst>
+              <a:ext uri="{FF2B5EF4-FFF2-40B4-BE49-F238E27FC236}">
+                <a16:creationId xmlns:a16="http://schemas.microsoft.com/office/drawing/2014/main" id="{75B47BE9-39E8-1523-9A14-C9631C8DD4EC}"/>
+              </a:ext>
+            </a:extLst>
+          </p:cNvPr>
+          <p:cNvSpPr txBox="1"/>
+          <p:nvPr/>
+        </p:nvSpPr>
+        <p:spPr>
+          <a:xfrm>
+            <a:off x="6139543" y="2259515"/>
+            <a:ext cx="1624997" cy="369332"/>
+          </a:xfrm>
+          <a:prstGeom prst="rect">
+            <a:avLst/>
+          </a:prstGeom>
+          <a:noFill/>
+        </p:spPr>
+        <p:txBody>
+          <a:bodyPr wrap="none" rtlCol="0">
+            <a:spAutoFit/>
+          </a:bodyPr>
+          <a:lstStyle/>
+          <a:p>
+            <a:r>
+              <a:rPr lang="en-US" dirty="0"/>
+              <a:t>Preprocess text</a:t>
+            </a:r>
+          </a:p>
+        </p:txBody>
+      </p:sp>
+      <p:pic>
+        <p:nvPicPr>
+          <p:cNvPr id="2068" name="Picture 20" descr="Artificial intelligence - Free technology icons">
+            <a:extLst>
+              <a:ext uri="{FF2B5EF4-FFF2-40B4-BE49-F238E27FC236}">
+                <a16:creationId xmlns:a16="http://schemas.microsoft.com/office/drawing/2014/main" id="{2B659747-E708-8DAD-CFCB-4FB59B0CB2CC}"/>
+              </a:ext>
+            </a:extLst>
+          </p:cNvPr>
+          <p:cNvPicPr>
+            <a:picLocks noChangeAspect="1" noChangeArrowheads="1"/>
+          </p:cNvPicPr>
+          <p:nvPr/>
+        </p:nvPicPr>
+        <p:blipFill>
+          <a:blip r:embed="rId8">
+            <a:extLst>
+              <a:ext uri="{28A0092B-C50C-407E-A947-70E740481C1C}">
+                <a14:useLocalDpi xmlns:a14="http://schemas.microsoft.com/office/drawing/2010/main" val="0"/>
+              </a:ext>
+            </a:extLst>
+          </a:blip>
+          <a:srcRect/>
+          <a:stretch>
+            <a:fillRect/>
+          </a:stretch>
+        </p:blipFill>
+        <p:spPr bwMode="auto">
+          <a:xfrm>
+            <a:off x="8396009" y="1694247"/>
+            <a:ext cx="578442" cy="578442"/>
+          </a:xfrm>
+          <a:prstGeom prst="rect">
+            <a:avLst/>
+          </a:prstGeom>
+          <a:noFill/>
+          <a:extLst>
+            <a:ext uri="{909E8E84-426E-40DD-AFC4-6F175D3DCCD1}">
+              <a14:hiddenFill xmlns:a14="http://schemas.microsoft.com/office/drawing/2010/main">
+                <a:solidFill>
+                  <a:srgbClr val="FFFFFF"/>
+                </a:solidFill>
+              </a14:hiddenFill>
+            </a:ext>
+          </a:extLst>
+        </p:spPr>
+      </p:pic>
+      <p:sp>
+        <p:nvSpPr>
+          <p:cNvPr id="13" name="TextBox 12">
+            <a:extLst>
+              <a:ext uri="{FF2B5EF4-FFF2-40B4-BE49-F238E27FC236}">
+                <a16:creationId xmlns:a16="http://schemas.microsoft.com/office/drawing/2014/main" id="{E408EE56-4515-A3D2-AF66-C8DFF42C214C}"/>
+              </a:ext>
+            </a:extLst>
+          </p:cNvPr>
+          <p:cNvSpPr txBox="1"/>
+          <p:nvPr/>
+        </p:nvSpPr>
+        <p:spPr>
+          <a:xfrm>
+            <a:off x="7914992" y="2259515"/>
+            <a:ext cx="2161104" cy="369332"/>
+          </a:xfrm>
+          <a:prstGeom prst="rect">
+            <a:avLst/>
+          </a:prstGeom>
+          <a:noFill/>
+        </p:spPr>
+        <p:txBody>
+          <a:bodyPr wrap="none" rtlCol="0">
+            <a:spAutoFit/>
+          </a:bodyPr>
+          <a:lstStyle/>
+          <a:p>
+            <a:r>
+              <a:rPr lang="en-US" dirty="0"/>
+              <a:t>ML Text classification</a:t>
+            </a:r>
+          </a:p>
+        </p:txBody>
+      </p:sp>
+      <p:pic>
+        <p:nvPicPr>
+          <p:cNvPr id="15" name="Picture 20" descr="Artificial intelligence - Free technology icons">
+            <a:extLst>
+              <a:ext uri="{FF2B5EF4-FFF2-40B4-BE49-F238E27FC236}">
+                <a16:creationId xmlns:a16="http://schemas.microsoft.com/office/drawing/2014/main" id="{B0949956-9D5B-21FA-BECC-6C0A5A39DFD8}"/>
+              </a:ext>
+            </a:extLst>
+          </p:cNvPr>
+          <p:cNvPicPr>
+            <a:picLocks noChangeAspect="1" noChangeArrowheads="1"/>
+          </p:cNvPicPr>
+          <p:nvPr/>
+        </p:nvPicPr>
+        <p:blipFill>
+          <a:blip r:embed="rId8">
+            <a:extLst>
+              <a:ext uri="{28A0092B-C50C-407E-A947-70E740481C1C}">
+                <a14:useLocalDpi xmlns:a14="http://schemas.microsoft.com/office/drawing/2010/main" val="0"/>
+              </a:ext>
+            </a:extLst>
+          </a:blip>
+          <a:srcRect/>
+          <a:stretch>
+            <a:fillRect/>
+          </a:stretch>
+        </p:blipFill>
+        <p:spPr bwMode="auto">
+          <a:xfrm>
+            <a:off x="4794552" y="4477518"/>
+            <a:ext cx="578442" cy="578442"/>
+          </a:xfrm>
+          <a:prstGeom prst="rect">
+            <a:avLst/>
+          </a:prstGeom>
+          <a:noFill/>
+          <a:extLst>
+            <a:ext uri="{909E8E84-426E-40DD-AFC4-6F175D3DCCD1}">
+              <a14:hiddenFill xmlns:a14="http://schemas.microsoft.com/office/drawing/2010/main">
+                <a:solidFill>
+                  <a:srgbClr val="FFFFFF"/>
+                </a:solidFill>
+              </a14:hiddenFill>
+            </a:ext>
+          </a:extLst>
+        </p:spPr>
+      </p:pic>
+      <p:sp>
+        <p:nvSpPr>
+          <p:cNvPr id="16" name="TextBox 15">
+            <a:extLst>
+              <a:ext uri="{FF2B5EF4-FFF2-40B4-BE49-F238E27FC236}">
+                <a16:creationId xmlns:a16="http://schemas.microsoft.com/office/drawing/2014/main" id="{B980A3C5-E269-E588-1CBA-B5EC613422B4}"/>
+              </a:ext>
+            </a:extLst>
+          </p:cNvPr>
+          <p:cNvSpPr txBox="1"/>
+          <p:nvPr/>
+        </p:nvSpPr>
+        <p:spPr>
+          <a:xfrm>
+            <a:off x="4403146" y="5205095"/>
+            <a:ext cx="1574085" cy="369332"/>
+          </a:xfrm>
+          <a:prstGeom prst="rect">
+            <a:avLst/>
+          </a:prstGeom>
+          <a:noFill/>
+        </p:spPr>
+        <p:txBody>
+          <a:bodyPr wrap="none" rtlCol="0">
+            <a:spAutoFit/>
+          </a:bodyPr>
+          <a:lstStyle/>
+          <a:p>
+            <a:r>
+              <a:rPr lang="en-US" dirty="0"/>
+              <a:t>ML Summarize</a:t>
+            </a:r>
+          </a:p>
+        </p:txBody>
+      </p:sp>
+      <p:pic>
+        <p:nvPicPr>
+          <p:cNvPr id="2070" name="Picture 22" descr=" ">
+            <a:extLst>
+              <a:ext uri="{FF2B5EF4-FFF2-40B4-BE49-F238E27FC236}">
+                <a16:creationId xmlns:a16="http://schemas.microsoft.com/office/drawing/2014/main" id="{D56C3AAF-F1F7-D981-479F-EFE2FE69BAF8}"/>
+              </a:ext>
+            </a:extLst>
+          </p:cNvPr>
+          <p:cNvPicPr>
+            <a:picLocks noChangeAspect="1" noChangeArrowheads="1"/>
+          </p:cNvPicPr>
+          <p:nvPr/>
+        </p:nvPicPr>
+        <p:blipFill>
+          <a:blip r:embed="rId9">
+            <a:extLst>
+              <a:ext uri="{28A0092B-C50C-407E-A947-70E740481C1C}">
+                <a14:useLocalDpi xmlns:a14="http://schemas.microsoft.com/office/drawing/2010/main" val="0"/>
+              </a:ext>
+            </a:extLst>
+          </a:blip>
+          <a:srcRect/>
+          <a:stretch>
+            <a:fillRect/>
+          </a:stretch>
+        </p:blipFill>
+        <p:spPr bwMode="auto">
+          <a:xfrm>
+            <a:off x="11009117" y="3371071"/>
+            <a:ext cx="651588" cy="651588"/>
+          </a:xfrm>
+          <a:prstGeom prst="rect">
+            <a:avLst/>
+          </a:prstGeom>
+          <a:noFill/>
+          <a:extLst>
+            <a:ext uri="{909E8E84-426E-40DD-AFC4-6F175D3DCCD1}">
+              <a14:hiddenFill xmlns:a14="http://schemas.microsoft.com/office/drawing/2010/main">
+                <a:solidFill>
+                  <a:srgbClr val="FFFFFF"/>
+                </a:solidFill>
+              </a14:hiddenFill>
+            </a:ext>
+          </a:extLst>
+        </p:spPr>
+      </p:pic>
+      <p:cxnSp>
+        <p:nvCxnSpPr>
+          <p:cNvPr id="21" name="Connector: Elbow 20">
+            <a:extLst>
+              <a:ext uri="{FF2B5EF4-FFF2-40B4-BE49-F238E27FC236}">
+                <a16:creationId xmlns:a16="http://schemas.microsoft.com/office/drawing/2014/main" id="{BE529AD5-782F-012C-94FB-D3901191B74D}"/>
+              </a:ext>
+            </a:extLst>
+          </p:cNvPr>
+          <p:cNvCxnSpPr>
+            <a:stCxn id="2052" idx="3"/>
+            <a:endCxn id="2054" idx="1"/>
+          </p:cNvCxnSpPr>
+          <p:nvPr/>
+        </p:nvCxnSpPr>
+        <p:spPr>
+          <a:xfrm flipV="1">
+            <a:off x="1496235" y="2541380"/>
+            <a:ext cx="1355752" cy="1286503"/>
+          </a:xfrm>
+          <a:prstGeom prst="bentConnector3">
+            <a:avLst/>
+          </a:prstGeom>
+          <a:ln>
+            <a:tailEnd type="triangle"/>
+          </a:ln>
+        </p:spPr>
+        <p:style>
+          <a:lnRef idx="1">
+            <a:schemeClr val="dk1"/>
+          </a:lnRef>
+          <a:fillRef idx="0">
+            <a:schemeClr val="dk1"/>
+          </a:fillRef>
+          <a:effectRef idx="0">
+            <a:schemeClr val="dk1"/>
+          </a:effectRef>
+          <a:fontRef idx="minor">
+            <a:schemeClr val="tx1"/>
+          </a:fontRef>
+        </p:style>
+      </p:cxnSp>
+      <p:cxnSp>
+        <p:nvCxnSpPr>
+          <p:cNvPr id="24" name="Connector: Elbow 23">
+            <a:extLst>
+              <a:ext uri="{FF2B5EF4-FFF2-40B4-BE49-F238E27FC236}">
+                <a16:creationId xmlns:a16="http://schemas.microsoft.com/office/drawing/2014/main" id="{CA87F67A-A8CD-A227-2525-4CD6BCCE1708}"/>
+              </a:ext>
+            </a:extLst>
+          </p:cNvPr>
+          <p:cNvCxnSpPr>
+            <a:stCxn id="2052" idx="3"/>
+            <a:endCxn id="2058" idx="1"/>
+          </p:cNvCxnSpPr>
+          <p:nvPr/>
+        </p:nvCxnSpPr>
+        <p:spPr>
+          <a:xfrm>
+            <a:off x="1496235" y="3827883"/>
+            <a:ext cx="1361022" cy="389553"/>
+          </a:xfrm>
+          <a:prstGeom prst="bentConnector3">
+            <a:avLst/>
+          </a:prstGeom>
+          <a:ln>
+            <a:tailEnd type="triangle"/>
+          </a:ln>
+        </p:spPr>
+        <p:style>
+          <a:lnRef idx="1">
+            <a:schemeClr val="dk1"/>
+          </a:lnRef>
+          <a:fillRef idx="0">
+            <a:schemeClr val="dk1"/>
+          </a:fillRef>
+          <a:effectRef idx="0">
+            <a:schemeClr val="dk1"/>
+          </a:effectRef>
+          <a:fontRef idx="minor">
+            <a:schemeClr val="tx1"/>
+          </a:fontRef>
+        </p:style>
+      </p:cxnSp>
+      <p:cxnSp>
+        <p:nvCxnSpPr>
+          <p:cNvPr id="28" name="Connector: Elbow 27">
+            <a:extLst>
+              <a:ext uri="{FF2B5EF4-FFF2-40B4-BE49-F238E27FC236}">
+                <a16:creationId xmlns:a16="http://schemas.microsoft.com/office/drawing/2014/main" id="{222F58B2-47F6-53D6-B510-CDF47C1C8634}"/>
+              </a:ext>
+            </a:extLst>
+          </p:cNvPr>
+          <p:cNvCxnSpPr>
+            <a:stCxn id="2054" idx="3"/>
+            <a:endCxn id="2066" idx="1"/>
+          </p:cNvCxnSpPr>
+          <p:nvPr/>
+        </p:nvCxnSpPr>
+        <p:spPr>
+          <a:xfrm flipV="1">
+            <a:off x="3332960" y="1981715"/>
+            <a:ext cx="1517140" cy="559665"/>
+          </a:xfrm>
+          <a:prstGeom prst="bentConnector3">
+            <a:avLst/>
+          </a:prstGeom>
+          <a:ln>
+            <a:tailEnd type="triangle"/>
+          </a:ln>
+        </p:spPr>
+        <p:style>
+          <a:lnRef idx="1">
+            <a:schemeClr val="dk1"/>
+          </a:lnRef>
+          <a:fillRef idx="0">
+            <a:schemeClr val="dk1"/>
+          </a:fillRef>
+          <a:effectRef idx="0">
+            <a:schemeClr val="dk1"/>
+          </a:effectRef>
+          <a:fontRef idx="minor">
+            <a:schemeClr val="tx1"/>
+          </a:fontRef>
+        </p:style>
+      </p:cxnSp>
+      <p:cxnSp>
+        <p:nvCxnSpPr>
+          <p:cNvPr id="31" name="Connector: Elbow 30">
+            <a:extLst>
+              <a:ext uri="{FF2B5EF4-FFF2-40B4-BE49-F238E27FC236}">
+                <a16:creationId xmlns:a16="http://schemas.microsoft.com/office/drawing/2014/main" id="{DC2552CD-F670-3C31-6753-33A27E98B65D}"/>
+              </a:ext>
+            </a:extLst>
+          </p:cNvPr>
+          <p:cNvCxnSpPr>
+            <a:cxnSpLocks/>
+            <a:stCxn id="2054" idx="3"/>
+            <a:endCxn id="2060" idx="1"/>
+          </p:cNvCxnSpPr>
+          <p:nvPr/>
+        </p:nvCxnSpPr>
+        <p:spPr>
+          <a:xfrm>
+            <a:off x="3332960" y="2541380"/>
+            <a:ext cx="1517140" cy="726037"/>
+          </a:xfrm>
+          <a:prstGeom prst="bentConnector3">
+            <a:avLst/>
+          </a:prstGeom>
+          <a:ln>
+            <a:tailEnd type="triangle"/>
+          </a:ln>
+        </p:spPr>
+        <p:style>
+          <a:lnRef idx="1">
+            <a:schemeClr val="dk1"/>
+          </a:lnRef>
+          <a:fillRef idx="0">
+            <a:schemeClr val="dk1"/>
+          </a:fillRef>
+          <a:effectRef idx="0">
+            <a:schemeClr val="dk1"/>
+          </a:effectRef>
+          <a:fontRef idx="minor">
+            <a:schemeClr val="tx1"/>
+          </a:fontRef>
+        </p:style>
+      </p:cxnSp>
+      <p:cxnSp>
+        <p:nvCxnSpPr>
+          <p:cNvPr id="33" name="Connector: Elbow 32">
+            <a:extLst>
+              <a:ext uri="{FF2B5EF4-FFF2-40B4-BE49-F238E27FC236}">
+                <a16:creationId xmlns:a16="http://schemas.microsoft.com/office/drawing/2014/main" id="{5065A686-23BB-15B3-416D-524E415B09C9}"/>
+              </a:ext>
+            </a:extLst>
+          </p:cNvPr>
+          <p:cNvCxnSpPr>
+            <a:stCxn id="2066" idx="3"/>
+            <a:endCxn id="2062" idx="1"/>
+          </p:cNvCxnSpPr>
+          <p:nvPr/>
+        </p:nvCxnSpPr>
+        <p:spPr>
+          <a:xfrm flipV="1">
+            <a:off x="5361729" y="1981714"/>
+            <a:ext cx="1227919" cy="1"/>
+          </a:xfrm>
+          <a:prstGeom prst="bentConnector3">
+            <a:avLst/>
+          </a:prstGeom>
+          <a:ln>
+            <a:tailEnd type="triangle"/>
+          </a:ln>
+        </p:spPr>
+        <p:style>
+          <a:lnRef idx="1">
+            <a:schemeClr val="dk1"/>
+          </a:lnRef>
+          <a:fillRef idx="0">
+            <a:schemeClr val="dk1"/>
+          </a:fillRef>
+          <a:effectRef idx="0">
+            <a:schemeClr val="dk1"/>
+          </a:effectRef>
+          <a:fontRef idx="minor">
+            <a:schemeClr val="tx1"/>
+          </a:fontRef>
+        </p:style>
+      </p:cxnSp>
+      <p:cxnSp>
+        <p:nvCxnSpPr>
+          <p:cNvPr id="35" name="Connector: Elbow 34">
+            <a:extLst>
+              <a:ext uri="{FF2B5EF4-FFF2-40B4-BE49-F238E27FC236}">
+                <a16:creationId xmlns:a16="http://schemas.microsoft.com/office/drawing/2014/main" id="{7C5AB2BC-60A7-A4C7-6F11-7D860EFD85F0}"/>
+              </a:ext>
+            </a:extLst>
+          </p:cNvPr>
+          <p:cNvCxnSpPr>
+            <a:stCxn id="2062" idx="3"/>
+            <a:endCxn id="2068" idx="1"/>
+          </p:cNvCxnSpPr>
+          <p:nvPr/>
+        </p:nvCxnSpPr>
+        <p:spPr>
+          <a:xfrm>
+            <a:off x="7168090" y="1981714"/>
+            <a:ext cx="1227919" cy="1754"/>
+          </a:xfrm>
+          <a:prstGeom prst="bentConnector3">
+            <a:avLst/>
+          </a:prstGeom>
+          <a:ln>
+            <a:tailEnd type="triangle"/>
+          </a:ln>
+        </p:spPr>
+        <p:style>
+          <a:lnRef idx="1">
+            <a:schemeClr val="dk1"/>
+          </a:lnRef>
+          <a:fillRef idx="0">
+            <a:schemeClr val="dk1"/>
+          </a:fillRef>
+          <a:effectRef idx="0">
+            <a:schemeClr val="dk1"/>
+          </a:effectRef>
+          <a:fontRef idx="minor">
+            <a:schemeClr val="tx1"/>
+          </a:fontRef>
+        </p:style>
+      </p:cxnSp>
+      <p:cxnSp>
+        <p:nvCxnSpPr>
+          <p:cNvPr id="38" name="Connector: Elbow 37">
+            <a:extLst>
+              <a:ext uri="{FF2B5EF4-FFF2-40B4-BE49-F238E27FC236}">
+                <a16:creationId xmlns:a16="http://schemas.microsoft.com/office/drawing/2014/main" id="{F3E43285-53B5-2464-9F84-284949926238}"/>
+              </a:ext>
+            </a:extLst>
+          </p:cNvPr>
+          <p:cNvCxnSpPr>
+            <a:stCxn id="2068" idx="3"/>
+            <a:endCxn id="2070" idx="1"/>
+          </p:cNvCxnSpPr>
+          <p:nvPr/>
+        </p:nvCxnSpPr>
+        <p:spPr>
+          <a:xfrm>
+            <a:off x="8974451" y="1983468"/>
+            <a:ext cx="2034666" cy="1713397"/>
+          </a:xfrm>
+          <a:prstGeom prst="bentConnector3">
+            <a:avLst/>
+          </a:prstGeom>
+          <a:ln>
+            <a:tailEnd type="triangle"/>
+          </a:ln>
+        </p:spPr>
+        <p:style>
+          <a:lnRef idx="1">
+            <a:schemeClr val="dk1"/>
+          </a:lnRef>
+          <a:fillRef idx="0">
+            <a:schemeClr val="dk1"/>
+          </a:fillRef>
+          <a:effectRef idx="0">
+            <a:schemeClr val="dk1"/>
+          </a:effectRef>
+          <a:fontRef idx="minor">
+            <a:schemeClr val="tx1"/>
+          </a:fontRef>
+        </p:style>
+      </p:cxnSp>
+      <p:cxnSp>
+        <p:nvCxnSpPr>
+          <p:cNvPr id="42" name="Connector: Elbow 41">
+            <a:extLst>
+              <a:ext uri="{FF2B5EF4-FFF2-40B4-BE49-F238E27FC236}">
+                <a16:creationId xmlns:a16="http://schemas.microsoft.com/office/drawing/2014/main" id="{A58EB638-101D-06FE-5719-5C3233A88FD8}"/>
+              </a:ext>
+            </a:extLst>
+          </p:cNvPr>
+          <p:cNvCxnSpPr>
+            <a:stCxn id="2058" idx="3"/>
+            <a:endCxn id="15" idx="1"/>
+          </p:cNvCxnSpPr>
+          <p:nvPr/>
+        </p:nvCxnSpPr>
+        <p:spPr>
+          <a:xfrm>
+            <a:off x="3309009" y="4217436"/>
+            <a:ext cx="1485543" cy="549303"/>
+          </a:xfrm>
+          <a:prstGeom prst="bentConnector3">
+            <a:avLst/>
+          </a:prstGeom>
+          <a:ln>
+            <a:tailEnd type="triangle"/>
+          </a:ln>
+        </p:spPr>
+        <p:style>
+          <a:lnRef idx="1">
+            <a:schemeClr val="dk1"/>
+          </a:lnRef>
+          <a:fillRef idx="0">
+            <a:schemeClr val="dk1"/>
+          </a:fillRef>
+          <a:effectRef idx="0">
+            <a:schemeClr val="dk1"/>
+          </a:effectRef>
+          <a:fontRef idx="minor">
+            <a:schemeClr val="tx1"/>
+          </a:fontRef>
+        </p:style>
+      </p:cxnSp>
+      <p:cxnSp>
+        <p:nvCxnSpPr>
+          <p:cNvPr id="51" name="Connector: Elbow 50">
+            <a:extLst>
+              <a:ext uri="{FF2B5EF4-FFF2-40B4-BE49-F238E27FC236}">
+                <a16:creationId xmlns:a16="http://schemas.microsoft.com/office/drawing/2014/main" id="{CA394DC5-A53D-B310-FCBB-D715CED6B8AA}"/>
+              </a:ext>
+            </a:extLst>
+          </p:cNvPr>
+          <p:cNvCxnSpPr>
+            <a:stCxn id="15" idx="3"/>
+            <a:endCxn id="2070" idx="1"/>
+          </p:cNvCxnSpPr>
+          <p:nvPr/>
+        </p:nvCxnSpPr>
+        <p:spPr>
+          <a:xfrm flipV="1">
+            <a:off x="5372994" y="3696865"/>
+            <a:ext cx="5636123" cy="1069874"/>
+          </a:xfrm>
+          <a:prstGeom prst="bentConnector3">
+            <a:avLst/>
+          </a:prstGeom>
+          <a:ln>
+            <a:tailEnd type="triangle"/>
+          </a:ln>
+        </p:spPr>
+        <p:style>
+          <a:lnRef idx="1">
+            <a:schemeClr val="dk1"/>
+          </a:lnRef>
+          <a:fillRef idx="0">
+            <a:schemeClr val="dk1"/>
+          </a:fillRef>
+          <a:effectRef idx="0">
+            <a:schemeClr val="dk1"/>
+          </a:effectRef>
+          <a:fontRef idx="minor">
+            <a:schemeClr val="tx1"/>
+          </a:fontRef>
+        </p:style>
+      </p:cxnSp>
+      <p:sp>
+        <p:nvSpPr>
+          <p:cNvPr id="62" name="TextBox 61">
+            <a:extLst>
+              <a:ext uri="{FF2B5EF4-FFF2-40B4-BE49-F238E27FC236}">
+                <a16:creationId xmlns:a16="http://schemas.microsoft.com/office/drawing/2014/main" id="{D1480A68-9738-E30F-152E-9CB3D3B4738F}"/>
+              </a:ext>
+            </a:extLst>
+          </p:cNvPr>
+          <p:cNvSpPr txBox="1"/>
+          <p:nvPr/>
+        </p:nvSpPr>
+        <p:spPr>
+          <a:xfrm>
+            <a:off x="10904795" y="4022659"/>
+            <a:ext cx="1081515" cy="369332"/>
+          </a:xfrm>
+          <a:prstGeom prst="rect">
+            <a:avLst/>
+          </a:prstGeom>
+          <a:noFill/>
+        </p:spPr>
+        <p:txBody>
+          <a:bodyPr wrap="none" rtlCol="0">
+            <a:spAutoFit/>
+          </a:bodyPr>
+          <a:lstStyle/>
+          <a:p>
+            <a:r>
+              <a:rPr lang="en-US" dirty="0"/>
+              <a:t>Response</a:t>
+            </a:r>
+          </a:p>
+        </p:txBody>
+      </p:sp>
+      <p:sp>
+        <p:nvSpPr>
+          <p:cNvPr id="2049" name="Rectangle 2048">
+            <a:extLst>
+              <a:ext uri="{FF2B5EF4-FFF2-40B4-BE49-F238E27FC236}">
+                <a16:creationId xmlns:a16="http://schemas.microsoft.com/office/drawing/2014/main" id="{94133239-23A5-8BEE-07C5-71F051D295AC}"/>
+              </a:ext>
+            </a:extLst>
+          </p:cNvPr>
+          <p:cNvSpPr/>
+          <p:nvPr/>
+        </p:nvSpPr>
+        <p:spPr>
+          <a:xfrm>
+            <a:off x="1866122" y="1306286"/>
+            <a:ext cx="8602825" cy="4898571"/>
+          </a:xfrm>
+          <a:prstGeom prst="rect">
+            <a:avLst/>
+          </a:prstGeom>
+          <a:noFill/>
+          <a:ln>
+            <a:solidFill>
+              <a:schemeClr val="tx1"/>
+            </a:solidFill>
+            <a:prstDash val="dash"/>
+          </a:ln>
+        </p:spPr>
+        <p:style>
+          <a:lnRef idx="2">
+            <a:schemeClr val="accent1">
+              <a:shade val="50000"/>
+            </a:schemeClr>
+          </a:lnRef>
+          <a:fillRef idx="1">
+            <a:schemeClr val="accent1"/>
+          </a:fillRef>
+          <a:effectRef idx="0">
+            <a:schemeClr val="accent1"/>
+          </a:effectRef>
+          <a:fontRef idx="minor">
+            <a:schemeClr val="lt1"/>
+          </a:fontRef>
+        </p:style>
+        <p:txBody>
+          <a:bodyPr rtlCol="0" anchor="ctr"/>
+          <a:lstStyle/>
+          <a:p>
+            <a:pPr algn="ctr"/>
+            <a:endParaRPr lang="en-US"/>
+          </a:p>
+        </p:txBody>
+      </p:sp>
+      <p:cxnSp>
+        <p:nvCxnSpPr>
+          <p:cNvPr id="2053" name="Connector: Elbow 2052">
+            <a:extLst>
+              <a:ext uri="{FF2B5EF4-FFF2-40B4-BE49-F238E27FC236}">
+                <a16:creationId xmlns:a16="http://schemas.microsoft.com/office/drawing/2014/main" id="{B85682AA-E060-D61B-C302-094A109DA23B}"/>
+              </a:ext>
+            </a:extLst>
+          </p:cNvPr>
+          <p:cNvCxnSpPr>
+            <a:stCxn id="2060" idx="3"/>
+            <a:endCxn id="2070" idx="1"/>
+          </p:cNvCxnSpPr>
+          <p:nvPr/>
+        </p:nvCxnSpPr>
+        <p:spPr>
+          <a:xfrm>
+            <a:off x="5282714" y="3267417"/>
+            <a:ext cx="5726403" cy="429448"/>
+          </a:xfrm>
+          <a:prstGeom prst="bentConnector3">
+            <a:avLst/>
+          </a:prstGeom>
+          <a:ln>
+            <a:tailEnd type="triangle"/>
+          </a:ln>
+        </p:spPr>
+        <p:style>
+          <a:lnRef idx="1">
+            <a:schemeClr val="dk1"/>
+          </a:lnRef>
+          <a:fillRef idx="0">
+            <a:schemeClr val="dk1"/>
+          </a:fillRef>
+          <a:effectRef idx="0">
+            <a:schemeClr val="dk1"/>
+          </a:effectRef>
+          <a:fontRef idx="minor">
+            <a:schemeClr val="tx1"/>
+          </a:fontRef>
+        </p:style>
+      </p:cxnSp>
+      <p:sp>
+        <p:nvSpPr>
+          <p:cNvPr id="2055" name="TextBox 2054">
+            <a:extLst>
+              <a:ext uri="{FF2B5EF4-FFF2-40B4-BE49-F238E27FC236}">
+                <a16:creationId xmlns:a16="http://schemas.microsoft.com/office/drawing/2014/main" id="{F9D1B60D-9E22-5758-74C6-CF6EAD82F7F4}"/>
+              </a:ext>
+            </a:extLst>
+          </p:cNvPr>
+          <p:cNvSpPr txBox="1"/>
+          <p:nvPr/>
+        </p:nvSpPr>
+        <p:spPr>
+          <a:xfrm>
+            <a:off x="1371672" y="3529421"/>
+            <a:ext cx="1172116" cy="261610"/>
+          </a:xfrm>
+          <a:prstGeom prst="rect">
+            <a:avLst/>
+          </a:prstGeom>
+          <a:noFill/>
+        </p:spPr>
+        <p:txBody>
+          <a:bodyPr wrap="none" rtlCol="0">
+            <a:spAutoFit/>
+          </a:bodyPr>
+          <a:lstStyle/>
+          <a:p>
+            <a:r>
+              <a:rPr lang="en-US" sz="1100" dirty="0"/>
+              <a:t>Check event type</a:t>
+            </a:r>
+          </a:p>
+        </p:txBody>
+      </p:sp>
+      <p:sp>
+        <p:nvSpPr>
+          <p:cNvPr id="2057" name="TextBox 2056">
+            <a:extLst>
+              <a:ext uri="{FF2B5EF4-FFF2-40B4-BE49-F238E27FC236}">
+                <a16:creationId xmlns:a16="http://schemas.microsoft.com/office/drawing/2014/main" id="{5A2F9BFF-4AB1-AF03-67C6-6D491D82FA22}"/>
+              </a:ext>
+            </a:extLst>
+          </p:cNvPr>
+          <p:cNvSpPr txBox="1"/>
+          <p:nvPr/>
+        </p:nvSpPr>
+        <p:spPr>
+          <a:xfrm>
+            <a:off x="3323822" y="2182571"/>
+            <a:ext cx="1342034" cy="261610"/>
+          </a:xfrm>
+          <a:prstGeom prst="rect">
+            <a:avLst/>
+          </a:prstGeom>
+          <a:noFill/>
+        </p:spPr>
+        <p:txBody>
+          <a:bodyPr wrap="none" rtlCol="0">
+            <a:spAutoFit/>
+          </a:bodyPr>
+          <a:lstStyle/>
+          <a:p>
+            <a:r>
+              <a:rPr lang="en-US" sz="1100" dirty="0"/>
+              <a:t>Check message type</a:t>
+            </a:r>
+          </a:p>
+        </p:txBody>
+      </p:sp>
+      <p:sp>
+        <p:nvSpPr>
+          <p:cNvPr id="2059" name="TextBox 2058">
+            <a:extLst>
+              <a:ext uri="{FF2B5EF4-FFF2-40B4-BE49-F238E27FC236}">
+                <a16:creationId xmlns:a16="http://schemas.microsoft.com/office/drawing/2014/main" id="{C70EA63B-38C4-88AD-C080-592C2044A5E8}"/>
+              </a:ext>
+            </a:extLst>
+          </p:cNvPr>
+          <p:cNvSpPr txBox="1"/>
+          <p:nvPr/>
+        </p:nvSpPr>
+        <p:spPr>
+          <a:xfrm>
+            <a:off x="6672717" y="1436593"/>
+            <a:ext cx="1952779" cy="261610"/>
+          </a:xfrm>
+          <a:prstGeom prst="rect">
+            <a:avLst/>
+          </a:prstGeom>
+          <a:noFill/>
+        </p:spPr>
+        <p:txBody>
+          <a:bodyPr wrap="none" rtlCol="0">
+            <a:spAutoFit/>
+          </a:bodyPr>
+          <a:lstStyle/>
+          <a:p>
+            <a:r>
+              <a:rPr lang="en-US" sz="1100" dirty="0"/>
+              <a:t>Normalize, Tokenize, Vectorize</a:t>
+            </a:r>
+          </a:p>
+        </p:txBody>
+      </p:sp>
+      <p:sp>
+        <p:nvSpPr>
+          <p:cNvPr id="2061" name="TextBox 2060">
+            <a:extLst>
+              <a:ext uri="{FF2B5EF4-FFF2-40B4-BE49-F238E27FC236}">
+                <a16:creationId xmlns:a16="http://schemas.microsoft.com/office/drawing/2014/main" id="{E632C52F-9EC5-45A4-A296-EDDA999026CA}"/>
+              </a:ext>
+            </a:extLst>
+          </p:cNvPr>
+          <p:cNvSpPr txBox="1"/>
+          <p:nvPr/>
+        </p:nvSpPr>
+        <p:spPr>
+          <a:xfrm>
+            <a:off x="9326649" y="2673633"/>
+            <a:ext cx="1532792" cy="430887"/>
+          </a:xfrm>
+          <a:prstGeom prst="rect">
+            <a:avLst/>
+          </a:prstGeom>
+          <a:noFill/>
+        </p:spPr>
+        <p:txBody>
+          <a:bodyPr wrap="none" rtlCol="0">
+            <a:spAutoFit/>
+          </a:bodyPr>
+          <a:lstStyle/>
+          <a:p>
+            <a:r>
+              <a:rPr lang="en-US" sz="1100" dirty="0"/>
+              <a:t>Template message and </a:t>
+            </a:r>
+          </a:p>
+          <a:p>
+            <a:r>
+              <a:rPr lang="en-US" sz="1100" dirty="0"/>
+              <a:t>attach postback action</a:t>
+            </a:r>
+          </a:p>
+        </p:txBody>
+      </p:sp>
+      <p:sp>
+        <p:nvSpPr>
+          <p:cNvPr id="2063" name="TextBox 2062">
+            <a:extLst>
+              <a:ext uri="{FF2B5EF4-FFF2-40B4-BE49-F238E27FC236}">
+                <a16:creationId xmlns:a16="http://schemas.microsoft.com/office/drawing/2014/main" id="{2C3CAA8A-ADE7-B8EA-62EF-8A99335C6EDC}"/>
+              </a:ext>
+            </a:extLst>
+          </p:cNvPr>
+          <p:cNvSpPr txBox="1"/>
+          <p:nvPr/>
+        </p:nvSpPr>
+        <p:spPr>
+          <a:xfrm>
+            <a:off x="5522883" y="3003656"/>
+            <a:ext cx="1098378" cy="261610"/>
+          </a:xfrm>
+          <a:prstGeom prst="rect">
+            <a:avLst/>
+          </a:prstGeom>
+          <a:noFill/>
+        </p:spPr>
+        <p:txBody>
+          <a:bodyPr wrap="none" rtlCol="0">
+            <a:spAutoFit/>
+          </a:bodyPr>
+          <a:lstStyle/>
+          <a:p>
+            <a:r>
+              <a:rPr lang="en-US" sz="1100" dirty="0"/>
+              <a:t>Sticker message</a:t>
+            </a:r>
+          </a:p>
+        </p:txBody>
+      </p:sp>
+      <p:sp>
+        <p:nvSpPr>
+          <p:cNvPr id="2065" name="TextBox 2064">
+            <a:extLst>
+              <a:ext uri="{FF2B5EF4-FFF2-40B4-BE49-F238E27FC236}">
+                <a16:creationId xmlns:a16="http://schemas.microsoft.com/office/drawing/2014/main" id="{1A7CCDF6-B71F-17DB-F243-2C3BED29CE4D}"/>
+              </a:ext>
+            </a:extLst>
+          </p:cNvPr>
+          <p:cNvSpPr txBox="1"/>
+          <p:nvPr/>
+        </p:nvSpPr>
+        <p:spPr>
+          <a:xfrm>
+            <a:off x="5618345" y="4509929"/>
+            <a:ext cx="990977" cy="261610"/>
+          </a:xfrm>
+          <a:prstGeom prst="rect">
+            <a:avLst/>
+          </a:prstGeom>
+          <a:noFill/>
+        </p:spPr>
+        <p:txBody>
+          <a:bodyPr wrap="none" rtlCol="0">
+            <a:spAutoFit/>
+          </a:bodyPr>
+          <a:lstStyle/>
+          <a:p>
+            <a:r>
+              <a:rPr lang="en-US" sz="1100" dirty="0"/>
+              <a:t>Text message</a:t>
+            </a:r>
+          </a:p>
+        </p:txBody>
+      </p:sp>
+    </p:spTree>
+    <p:extLst>
+      <p:ext uri="{BB962C8B-B14F-4D97-AF65-F5344CB8AC3E}">
+        <p14:creationId xmlns:p14="http://schemas.microsoft.com/office/powerpoint/2010/main" val="1976648815"/>
+      </p:ext>
+    </p:extLst>
+  </p:cSld>
+  <p:clrMapOvr>
+    <a:masterClrMapping/>
+  </p:clrMapOvr>
+</p:sld>
+</file>
+
 <file path=ppt/theme/theme1.xml><?xml version="1.0" encoding="utf-8"?>
 <a:theme xmlns:a="http://schemas.openxmlformats.org/drawingml/2006/main" name="Office Theme">
   <a:themeElements>
